--- a/instructors/03_Being_FAIR_Episode_v2.0.pptx
+++ b/instructors/03_Being_FAIR_Episode_v2.0.pptx
@@ -9,20 +9,21 @@
     <p:sldId id="257" r:id="rId3"/>
     <p:sldId id="258" r:id="rId4"/>
     <p:sldId id="259" r:id="rId5"/>
-    <p:sldId id="260" r:id="rId6"/>
-    <p:sldId id="261" r:id="rId7"/>
-    <p:sldId id="265" r:id="rId8"/>
-    <p:sldId id="268" r:id="rId9"/>
-    <p:sldId id="269" r:id="rId10"/>
-    <p:sldId id="270" r:id="rId11"/>
-    <p:sldId id="272" r:id="rId12"/>
-    <p:sldId id="271" r:id="rId13"/>
-    <p:sldId id="274" r:id="rId14"/>
-    <p:sldId id="273" r:id="rId15"/>
-    <p:sldId id="276" r:id="rId16"/>
-    <p:sldId id="266" r:id="rId17"/>
-    <p:sldId id="277" r:id="rId18"/>
-    <p:sldId id="278" r:id="rId19"/>
+    <p:sldId id="279" r:id="rId6"/>
+    <p:sldId id="260" r:id="rId7"/>
+    <p:sldId id="261" r:id="rId8"/>
+    <p:sldId id="265" r:id="rId9"/>
+    <p:sldId id="268" r:id="rId10"/>
+    <p:sldId id="269" r:id="rId11"/>
+    <p:sldId id="270" r:id="rId12"/>
+    <p:sldId id="272" r:id="rId13"/>
+    <p:sldId id="271" r:id="rId14"/>
+    <p:sldId id="274" r:id="rId15"/>
+    <p:sldId id="273" r:id="rId16"/>
+    <p:sldId id="276" r:id="rId17"/>
+    <p:sldId id="266" r:id="rId18"/>
+    <p:sldId id="277" r:id="rId19"/>
+    <p:sldId id="278" r:id="rId20"/>
   </p:sldIdLst>
   <p:sldSz cx="12192000" cy="6858000"/>
   <p:notesSz cx="6858000" cy="9144000"/>
@@ -295,7 +296,7 @@
             <a:fld id="{DE72BEAC-A25F-4480-8AFC-1D3E290F2CC8}" type="datetimeFigureOut">
               <a:rPr lang="en-GB" smtClean="0"/>
               <a:pPr/>
-              <a:t>18/10/2021</a:t>
+              <a:t>19/10/2021</a:t>
             </a:fld>
             <a:endParaRPr lang="en-GB"/>
           </a:p>
@@ -559,7 +560,7 @@
           <a:p>
             <a:fld id="{DE72BEAC-A25F-4480-8AFC-1D3E290F2CC8}" type="datetimeFigureOut">
               <a:rPr lang="en-GB" smtClean="0"/>
-              <a:t>18/10/2021</a:t>
+              <a:t>19/10/2021</a:t>
             </a:fld>
             <a:endParaRPr lang="en-GB"/>
           </a:p>
@@ -769,7 +770,7 @@
           <a:p>
             <a:fld id="{DE72BEAC-A25F-4480-8AFC-1D3E290F2CC8}" type="datetimeFigureOut">
               <a:rPr lang="en-GB" smtClean="0"/>
-              <a:t>18/10/2021</a:t>
+              <a:t>19/10/2021</a:t>
             </a:fld>
             <a:endParaRPr lang="en-GB"/>
           </a:p>
@@ -969,7 +970,7 @@
           <a:p>
             <a:fld id="{DE72BEAC-A25F-4480-8AFC-1D3E290F2CC8}" type="datetimeFigureOut">
               <a:rPr lang="en-GB" smtClean="0"/>
-              <a:t>18/10/2021</a:t>
+              <a:t>19/10/2021</a:t>
             </a:fld>
             <a:endParaRPr lang="en-GB"/>
           </a:p>
@@ -1245,7 +1246,7 @@
           <a:p>
             <a:fld id="{DE72BEAC-A25F-4480-8AFC-1D3E290F2CC8}" type="datetimeFigureOut">
               <a:rPr lang="en-GB" smtClean="0"/>
-              <a:t>18/10/2021</a:t>
+              <a:t>19/10/2021</a:t>
             </a:fld>
             <a:endParaRPr lang="en-GB"/>
           </a:p>
@@ -1513,7 +1514,7 @@
           <a:p>
             <a:fld id="{DE72BEAC-A25F-4480-8AFC-1D3E290F2CC8}" type="datetimeFigureOut">
               <a:rPr lang="en-GB" smtClean="0"/>
-              <a:t>18/10/2021</a:t>
+              <a:t>19/10/2021</a:t>
             </a:fld>
             <a:endParaRPr lang="en-GB"/>
           </a:p>
@@ -1928,7 +1929,7 @@
           <a:p>
             <a:fld id="{DE72BEAC-A25F-4480-8AFC-1D3E290F2CC8}" type="datetimeFigureOut">
               <a:rPr lang="en-GB" smtClean="0"/>
-              <a:t>18/10/2021</a:t>
+              <a:t>19/10/2021</a:t>
             </a:fld>
             <a:endParaRPr lang="en-GB"/>
           </a:p>
@@ -2070,7 +2071,7 @@
           <a:p>
             <a:fld id="{DE72BEAC-A25F-4480-8AFC-1D3E290F2CC8}" type="datetimeFigureOut">
               <a:rPr lang="en-GB" smtClean="0"/>
-              <a:t>18/10/2021</a:t>
+              <a:t>19/10/2021</a:t>
             </a:fld>
             <a:endParaRPr lang="en-GB"/>
           </a:p>
@@ -2183,7 +2184,7 @@
           <a:p>
             <a:fld id="{DE72BEAC-A25F-4480-8AFC-1D3E290F2CC8}" type="datetimeFigureOut">
               <a:rPr lang="en-GB" smtClean="0"/>
-              <a:t>18/10/2021</a:t>
+              <a:t>19/10/2021</a:t>
             </a:fld>
             <a:endParaRPr lang="en-GB"/>
           </a:p>
@@ -2496,7 +2497,7 @@
           <a:p>
             <a:fld id="{DE72BEAC-A25F-4480-8AFC-1D3E290F2CC8}" type="datetimeFigureOut">
               <a:rPr lang="en-GB" smtClean="0"/>
-              <a:t>18/10/2021</a:t>
+              <a:t>19/10/2021</a:t>
             </a:fld>
             <a:endParaRPr lang="en-GB"/>
           </a:p>
@@ -2785,7 +2786,7 @@
           <a:p>
             <a:fld id="{DE72BEAC-A25F-4480-8AFC-1D3E290F2CC8}" type="datetimeFigureOut">
               <a:rPr lang="en-GB" smtClean="0"/>
-              <a:t>18/10/2021</a:t>
+              <a:t>19/10/2021</a:t>
             </a:fld>
             <a:endParaRPr lang="en-GB"/>
           </a:p>
@@ -3027,7 +3028,7 @@
             <a:fld id="{DE72BEAC-A25F-4480-8AFC-1D3E290F2CC8}" type="datetimeFigureOut">
               <a:rPr lang="en-GB" smtClean="0"/>
               <a:pPr/>
-              <a:t>18/10/2021</a:t>
+              <a:t>19/10/2021</a:t>
             </a:fld>
             <a:endParaRPr lang="en-GB"/>
           </a:p>
@@ -3546,15 +3547,7 @@
           <a:p>
             <a:r>
               <a:rPr lang="en-GB" dirty="0"/>
-              <a:t>Open https://</a:t>
-            </a:r>
-            <a:r>
-              <a:rPr lang="en-GB" dirty="0" err="1"/>
-              <a:t>pad.carpentries.org</a:t>
-            </a:r>
-            <a:r>
-              <a:rPr lang="en-GB" dirty="0"/>
-              <a:t>/2021-10-19_ed-dash_fair-bio-practice</a:t>
+              <a:t>Open https://pad.carpentries.org/2021-10-19_ed-dash_fair-bio-practice</a:t>
             </a:r>
             <a:endParaRPr lang="en-GB" dirty="0">
               <a:highlight>
@@ -3606,7 +3599,7 @@
           <a:lstStyle/>
           <a:p>
             <a:pPr algn="ctr"/>
-            <a:endParaRPr lang="en-GB"/>
+            <a:endParaRPr lang="en-GB" dirty="0"/>
           </a:p>
         </p:txBody>
       </p:sp>
@@ -3645,7 +3638,7 @@
           <p:cNvPr id="2" name="Title 1">
             <a:extLst>
               <a:ext uri="{FF2B5EF4-FFF2-40B4-BE49-F238E27FC236}">
-                <a16:creationId xmlns:a16="http://schemas.microsoft.com/office/drawing/2014/main" id="{DCE85B1F-4F7D-4B0E-B52B-0D935F9C12EE}"/>
+                <a16:creationId xmlns:a16="http://schemas.microsoft.com/office/drawing/2014/main" id="{775BFE92-9990-4094-B7B2-01514614F16E}"/>
               </a:ext>
             </a:extLst>
           </p:cNvPr>
@@ -3663,107 +3656,285 @@
           <a:p>
             <a:r>
               <a:rPr lang="en-GB" dirty="0"/>
-              <a:t>Persistent identifiers (PIDs)</a:t>
-            </a:r>
-          </a:p>
-        </p:txBody>
-      </p:sp>
-      <p:sp>
-        <p:nvSpPr>
-          <p:cNvPr id="6" name="Content Placeholder 5">
-            <a:extLst>
-              <a:ext uri="{FF2B5EF4-FFF2-40B4-BE49-F238E27FC236}">
-                <a16:creationId xmlns:a16="http://schemas.microsoft.com/office/drawing/2014/main" id="{EF786E17-0337-4633-BDF5-676F4C563757}"/>
-              </a:ext>
-            </a:extLst>
-          </p:cNvPr>
-          <p:cNvSpPr>
-            <a:spLocks noGrp="1"/>
-          </p:cNvSpPr>
-          <p:nvPr>
-            <p:ph idx="1"/>
-          </p:nvPr>
-        </p:nvSpPr>
-        <p:spPr/>
-        <p:txBody>
-          <a:bodyPr/>
+              <a:t>Findable &amp; Accessible</a:t>
+            </a:r>
+          </a:p>
+        </p:txBody>
+      </p:sp>
+      <p:sp>
+        <p:nvSpPr>
+          <p:cNvPr id="9" name="Rectangle 8">
+            <a:extLst>
+              <a:ext uri="{FF2B5EF4-FFF2-40B4-BE49-F238E27FC236}">
+                <a16:creationId xmlns:a16="http://schemas.microsoft.com/office/drawing/2014/main" id="{04AEE4B5-946D-4302-AC98-9937AF758DFD}"/>
+              </a:ext>
+            </a:extLst>
+          </p:cNvPr>
+          <p:cNvSpPr/>
+          <p:nvPr/>
+        </p:nvSpPr>
+        <p:spPr>
+          <a:xfrm>
+            <a:off x="633167" y="1461257"/>
+            <a:ext cx="10925666" cy="4154984"/>
+          </a:xfrm>
+          <a:prstGeom prst="rect">
+            <a:avLst/>
+          </a:prstGeom>
+        </p:spPr>
+        <p:txBody>
+          <a:bodyPr wrap="square">
+            <a:spAutoFit/>
+          </a:bodyPr>
           <a:lstStyle/>
           <a:p>
-            <a:pPr marL="0" indent="0">
-              <a:buNone/>
-            </a:pPr>
-            <a:r>
-              <a:rPr lang="en-GB" dirty="0"/>
-              <a:t>A persistent identifier is a long-lasting reference to a digital resource. Typically it has two components:</a:t>
-            </a:r>
-          </a:p>
-          <a:p>
-            <a:endParaRPr lang="en-GB" dirty="0"/>
-          </a:p>
-          <a:p>
-            <a:r>
-              <a:rPr lang="en-GB" dirty="0"/>
-              <a:t>a service that locates the resource over time even when its location changes</a:t>
-            </a:r>
-          </a:p>
-          <a:p>
-            <a:r>
-              <a:rPr lang="en-GB" dirty="0"/>
-              <a:t>and a unique identifier (that distinguishes the resource or concept from others).</a:t>
-            </a:r>
-            <a:endParaRPr lang="pl-PL" dirty="0"/>
-          </a:p>
-          <a:p>
-            <a:endParaRPr lang="pl-PL" dirty="0"/>
-          </a:p>
-          <a:p>
-            <a:pPr marL="0" indent="0">
-              <a:buNone/>
-            </a:pPr>
-            <a:r>
-              <a:rPr lang="en-GB" dirty="0">
+            <a:r>
+              <a:rPr lang="en-GB" sz="2400" dirty="0">
                 <a:solidFill>
-                  <a:schemeClr val="accent6">
-                    <a:lumMod val="75000"/>
-                  </a:schemeClr>
-                </a:solidFill>
-                <a:hlinkClick r:id="rId2"/>
-              </a:rPr>
-              <a:t>https://doi.org</a:t>
-            </a:r>
-            <a:r>
-              <a:rPr lang="en-GB" dirty="0">
-                <a:hlinkClick r:id="rId2"/>
-              </a:rPr>
-              <a:t>/</a:t>
-            </a:r>
-            <a:r>
-              <a:rPr lang="en-GB" dirty="0">
-                <a:solidFill>
-                  <a:srgbClr val="7030A0"/>
-                </a:solidFill>
-                <a:hlinkClick r:id="rId2"/>
-              </a:rPr>
-              <a:t>10.1038/sdata.2016.18</a:t>
-            </a:r>
-            <a:r>
-              <a:rPr lang="en-GB" dirty="0">
-                <a:solidFill>
-                  <a:srgbClr val="7030A0"/>
+                  <a:srgbClr val="0070C0"/>
                 </a:solidFill>
               </a:rPr>
-              <a:t> </a:t>
-            </a:r>
-          </a:p>
-          <a:p>
-            <a:endParaRPr lang="en-GB" dirty="0"/>
+              <a:t>Deposit data to an external, reputable public repository.</a:t>
+            </a:r>
+          </a:p>
+          <a:p>
+            <a:endParaRPr lang="en-GB" sz="2400" dirty="0">
+              <a:solidFill>
+                <a:srgbClr val="0070C0"/>
+              </a:solidFill>
+            </a:endParaRPr>
+          </a:p>
+          <a:p>
+            <a:r>
+              <a:rPr lang="en-GB" sz="2400" dirty="0">
+                <a:solidFill>
+                  <a:srgbClr val="0070C0"/>
+                </a:solidFill>
+              </a:rPr>
+              <a:t>Repositories provide </a:t>
+            </a:r>
+            <a:r>
+              <a:rPr lang="en-GB" sz="2400" b="1" dirty="0">
+                <a:solidFill>
+                  <a:srgbClr val="0070C0"/>
+                </a:solidFill>
+              </a:rPr>
+              <a:t>persistent identifiers </a:t>
+            </a:r>
+            <a:r>
+              <a:rPr lang="en-GB" sz="2400" dirty="0">
+                <a:solidFill>
+                  <a:srgbClr val="0070C0"/>
+                </a:solidFill>
+              </a:rPr>
+              <a:t>(PIDs), catalogue options, advanced metadata searching, and download statistics. Some repositories can also host private data or provide embargo periods, meaning access to all data can be delayed.</a:t>
+            </a:r>
+          </a:p>
+          <a:p>
+            <a:endParaRPr lang="en-GB" sz="2400" dirty="0">
+              <a:solidFill>
+                <a:srgbClr val="0070C0"/>
+              </a:solidFill>
+            </a:endParaRPr>
+          </a:p>
+          <a:p>
+            <a:r>
+              <a:rPr lang="en-GB" sz="2400" dirty="0">
+                <a:solidFill>
+                  <a:srgbClr val="0070C0"/>
+                </a:solidFill>
+              </a:rPr>
+              <a:t>There are general “data agnostic” repositories, for example: </a:t>
+            </a:r>
+          </a:p>
+          <a:p>
+            <a:r>
+              <a:rPr lang="en-GB" sz="2400" dirty="0">
+                <a:solidFill>
+                  <a:srgbClr val="0070C0"/>
+                </a:solidFill>
+                <a:hlinkClick r:id="rId2">
+                  <a:extLst>
+                    <a:ext uri="{A12FA001-AC4F-418D-AE19-62706E023703}">
+                      <ahyp:hlinkClr xmlns:ahyp="http://schemas.microsoft.com/office/drawing/2018/hyperlinkcolor" val="tx"/>
+                    </a:ext>
+                  </a:extLst>
+                </a:hlinkClick>
+              </a:rPr>
+              <a:t>Dryad</a:t>
+            </a:r>
+            <a:r>
+              <a:rPr lang="en-GB" sz="2400" dirty="0">
+                <a:solidFill>
+                  <a:srgbClr val="0070C0"/>
+                </a:solidFill>
+              </a:rPr>
+              <a:t>, </a:t>
+            </a:r>
+            <a:r>
+              <a:rPr lang="en-GB" sz="2400" dirty="0">
+                <a:solidFill>
+                  <a:srgbClr val="0070C0"/>
+                </a:solidFill>
+                <a:hlinkClick r:id="rId3">
+                  <a:extLst>
+                    <a:ext uri="{A12FA001-AC4F-418D-AE19-62706E023703}">
+                      <ahyp:hlinkClr xmlns:ahyp="http://schemas.microsoft.com/office/drawing/2018/hyperlinkcolor" val="tx"/>
+                    </a:ext>
+                  </a:extLst>
+                </a:hlinkClick>
+              </a:rPr>
+              <a:t>Zenodo</a:t>
+            </a:r>
+            <a:r>
+              <a:rPr lang="en-GB" sz="2400" dirty="0">
+                <a:solidFill>
+                  <a:srgbClr val="0070C0"/>
+                </a:solidFill>
+              </a:rPr>
+              <a:t>, </a:t>
+            </a:r>
+            <a:r>
+              <a:rPr lang="en-GB" sz="2400" dirty="0">
+                <a:solidFill>
+                  <a:srgbClr val="0070C0"/>
+                </a:solidFill>
+                <a:hlinkClick r:id="rId4">
+                  <a:extLst>
+                    <a:ext uri="{A12FA001-AC4F-418D-AE19-62706E023703}">
+                      <ahyp:hlinkClr xmlns:ahyp="http://schemas.microsoft.com/office/drawing/2018/hyperlinkcolor" val="tx"/>
+                    </a:ext>
+                  </a:extLst>
+                </a:hlinkClick>
+              </a:rPr>
+              <a:t>FigShare</a:t>
+            </a:r>
+            <a:r>
+              <a:rPr lang="en-GB" sz="2400" dirty="0">
+                <a:solidFill>
+                  <a:srgbClr val="0070C0"/>
+                </a:solidFill>
+              </a:rPr>
+              <a:t>, </a:t>
+            </a:r>
+            <a:r>
+              <a:rPr lang="en-GB" sz="2400" dirty="0">
+                <a:solidFill>
+                  <a:srgbClr val="0070C0"/>
+                </a:solidFill>
+                <a:hlinkClick r:id="rId5">
+                  <a:extLst>
+                    <a:ext uri="{A12FA001-AC4F-418D-AE19-62706E023703}">
+                      <ahyp:hlinkClr xmlns:ahyp="http://schemas.microsoft.com/office/drawing/2018/hyperlinkcolor" val="tx"/>
+                    </a:ext>
+                  </a:extLst>
+                </a:hlinkClick>
+              </a:rPr>
+              <a:t>Dataverse</a:t>
+            </a:r>
+            <a:r>
+              <a:rPr lang="en-GB" sz="2400" dirty="0">
+                <a:solidFill>
+                  <a:srgbClr val="0070C0"/>
+                </a:solidFill>
+              </a:rPr>
+              <a:t>. </a:t>
+            </a:r>
+          </a:p>
+          <a:p>
+            <a:endParaRPr lang="en-GB" sz="2400" dirty="0">
+              <a:solidFill>
+                <a:srgbClr val="0070C0"/>
+              </a:solidFill>
+            </a:endParaRPr>
+          </a:p>
+          <a:p>
+            <a:r>
+              <a:rPr lang="en-GB" sz="2400" dirty="0">
+                <a:solidFill>
+                  <a:srgbClr val="0070C0"/>
+                </a:solidFill>
+              </a:rPr>
+              <a:t>Or domain specific, for example: </a:t>
+            </a:r>
+          </a:p>
+          <a:p>
+            <a:r>
+              <a:rPr lang="en-GB" sz="2400" dirty="0">
+                <a:solidFill>
+                  <a:srgbClr val="0070C0"/>
+                </a:solidFill>
+                <a:hlinkClick r:id="rId6">
+                  <a:extLst>
+                    <a:ext uri="{A12FA001-AC4F-418D-AE19-62706E023703}">
+                      <ahyp:hlinkClr xmlns:ahyp="http://schemas.microsoft.com/office/drawing/2018/hyperlinkcolor" val="tx"/>
+                    </a:ext>
+                  </a:extLst>
+                </a:hlinkClick>
+              </a:rPr>
+              <a:t>UniProt</a:t>
+            </a:r>
+            <a:r>
+              <a:rPr lang="en-GB" sz="2400" dirty="0">
+                <a:solidFill>
+                  <a:srgbClr val="0070C0"/>
+                </a:solidFill>
+              </a:rPr>
+              <a:t> – protein data, </a:t>
+            </a:r>
+            <a:r>
+              <a:rPr lang="en-GB" sz="2400" dirty="0">
+                <a:solidFill>
+                  <a:srgbClr val="0070C0"/>
+                </a:solidFill>
+                <a:hlinkClick r:id="rId7">
+                  <a:extLst>
+                    <a:ext uri="{A12FA001-AC4F-418D-AE19-62706E023703}">
+                      <ahyp:hlinkClr xmlns:ahyp="http://schemas.microsoft.com/office/drawing/2018/hyperlinkcolor" val="tx"/>
+                    </a:ext>
+                  </a:extLst>
+                </a:hlinkClick>
+              </a:rPr>
+              <a:t>GenBank</a:t>
+            </a:r>
+            <a:r>
+              <a:rPr lang="en-GB" sz="2400" dirty="0">
+                <a:solidFill>
+                  <a:srgbClr val="0070C0"/>
+                </a:solidFill>
+              </a:rPr>
+              <a:t> – sequence data, </a:t>
+            </a:r>
+            <a:r>
+              <a:rPr lang="en-GB" sz="2400" dirty="0">
+                <a:solidFill>
+                  <a:srgbClr val="0070C0"/>
+                </a:solidFill>
+                <a:hlinkClick r:id="rId8">
+                  <a:extLst>
+                    <a:ext uri="{A12FA001-AC4F-418D-AE19-62706E023703}">
+                      <ahyp:hlinkClr xmlns:ahyp="http://schemas.microsoft.com/office/drawing/2018/hyperlinkcolor" val="tx"/>
+                    </a:ext>
+                  </a:extLst>
+                </a:hlinkClick>
+              </a:rPr>
+              <a:t>MetaboLights</a:t>
+            </a:r>
+            <a:r>
+              <a:rPr lang="en-GB" sz="2400" dirty="0">
+                <a:solidFill>
+                  <a:srgbClr val="0070C0"/>
+                </a:solidFill>
+              </a:rPr>
+              <a:t> – metabolomics data.</a:t>
+            </a:r>
           </a:p>
         </p:txBody>
       </p:sp>
     </p:spTree>
     <p:extLst>
       <p:ext uri="{BB962C8B-B14F-4D97-AF65-F5344CB8AC3E}">
-        <p14:creationId xmlns:p14="http://schemas.microsoft.com/office/powerpoint/2010/main" val="1317427284"/>
+        <p14:creationId xmlns:p14="http://schemas.microsoft.com/office/powerpoint/2010/main" val="3399547409"/>
       </p:ext>
     </p:extLst>
   </p:cSld>
@@ -3834,16 +4005,9 @@
             <p:ph idx="1"/>
           </p:nvPr>
         </p:nvSpPr>
-        <p:spPr>
-          <a:xfrm>
-            <a:off x="838200" y="1555422"/>
-            <a:ext cx="10515600" cy="4817097"/>
-          </a:xfrm>
-        </p:spPr>
-        <p:txBody>
-          <a:bodyPr>
-            <a:normAutofit/>
-          </a:bodyPr>
+        <p:spPr/>
+        <p:txBody>
+          <a:bodyPr/>
           <a:lstStyle/>
           <a:p>
             <a:pPr marL="0" indent="0">
@@ -3851,103 +4015,68 @@
             </a:pPr>
             <a:r>
               <a:rPr lang="en-GB" dirty="0"/>
-              <a:t>There are several services and technologies that provide PIDs, like:</a:t>
-            </a:r>
+              <a:t>A persistent identifier is a long-lasting reference to a digital resource. Typically it has two components:</a:t>
+            </a:r>
+          </a:p>
+          <a:p>
+            <a:endParaRPr lang="en-GB" dirty="0"/>
+          </a:p>
+          <a:p>
+            <a:r>
+              <a:rPr lang="en-GB" dirty="0"/>
+              <a:t>a service that locates the resource over time even when its location changes</a:t>
+            </a:r>
+          </a:p>
+          <a:p>
+            <a:r>
+              <a:rPr lang="en-GB" dirty="0"/>
+              <a:t>and a unique identifier (that distinguishes the resource or concept from others).</a:t>
+            </a:r>
+            <a:endParaRPr lang="pl-PL" dirty="0"/>
+          </a:p>
+          <a:p>
+            <a:endParaRPr lang="pl-PL" dirty="0"/>
           </a:p>
           <a:p>
             <a:pPr marL="0" indent="0">
               <a:buNone/>
             </a:pPr>
             <a:r>
-              <a:rPr lang="en-GB" dirty="0"/>
-              <a:t>Digital Object Identifier </a:t>
+              <a:rPr lang="en-GB" dirty="0">
+                <a:solidFill>
+                  <a:schemeClr val="accent6">
+                    <a:lumMod val="75000"/>
+                  </a:schemeClr>
+                </a:solidFill>
+                <a:hlinkClick r:id="rId2"/>
+              </a:rPr>
+              <a:t>https://doi.org</a:t>
             </a:r>
             <a:r>
               <a:rPr lang="en-GB" dirty="0">
                 <a:hlinkClick r:id="rId2"/>
               </a:rPr>
-              <a:t>(DOI)</a:t>
-            </a:r>
-            <a:r>
-              <a:rPr lang="en-GB" dirty="0"/>
-              <a:t> (prefix doi.org in the web links). </a:t>
-            </a:r>
-          </a:p>
-          <a:p>
-            <a:pPr marL="0" indent="0">
-              <a:buNone/>
-            </a:pPr>
-            <a:endParaRPr lang="en-GB" dirty="0">
-              <a:hlinkClick r:id="rId3"/>
-            </a:endParaRPr>
-          </a:p>
-          <a:p>
-            <a:pPr marL="0" indent="0">
-              <a:buNone/>
-            </a:pPr>
+              <a:t>/</a:t>
+            </a:r>
             <a:r>
               <a:rPr lang="en-GB" dirty="0">
-                <a:hlinkClick r:id="rId3"/>
+                <a:solidFill>
+                  <a:srgbClr val="7030A0"/>
+                </a:solidFill>
+                <a:hlinkClick r:id="rId2"/>
               </a:rPr>
-              <a:t>https://doi.org/10.1038/sdata.2016.18</a:t>
-            </a:r>
-            <a:r>
-              <a:rPr lang="en-GB" dirty="0"/>
-              <a:t> resolves to the FAIR paper</a:t>
-            </a:r>
-          </a:p>
-          <a:p>
-            <a:pPr marL="0" indent="0">
-              <a:buNone/>
-            </a:pPr>
-            <a:endParaRPr lang="en-GB" dirty="0"/>
-          </a:p>
-          <a:p>
-            <a:pPr marL="0" indent="0">
-              <a:buNone/>
-            </a:pPr>
-            <a:r>
-              <a:rPr lang="en-GB" dirty="0"/>
-              <a:t>Repositories often maintain web addresses in a stable form (permalinks) </a:t>
+              <a:t>10.1038/sdata.2016.18</a:t>
             </a:r>
             <a:r>
               <a:rPr lang="en-GB" dirty="0">
-                <a:hlinkClick r:id="rId4"/>
+                <a:solidFill>
+                  <a:srgbClr val="7030A0"/>
+                </a:solidFill>
               </a:rPr>
-              <a:t>http://repository.adress/identifier</a:t>
-            </a:r>
-            <a:r>
-              <a:rPr lang="en-GB" dirty="0"/>
-              <a:t>.</a:t>
-            </a:r>
-          </a:p>
-          <a:p>
-            <a:pPr marL="0" indent="0">
-              <a:buNone/>
-            </a:pPr>
-            <a:endParaRPr lang="en-GB" dirty="0">
-              <a:hlinkClick r:id="rId5"/>
-            </a:endParaRPr>
-          </a:p>
-          <a:p>
-            <a:pPr marL="0" indent="0">
-              <a:buNone/>
-            </a:pPr>
-            <a:r>
-              <a:rPr lang="en-GB" dirty="0">
-                <a:hlinkClick r:id="rId5"/>
-              </a:rPr>
-              <a:t>http://identifiers.org/SO:0000167</a:t>
-            </a:r>
-            <a:r>
-              <a:rPr lang="en-GB" dirty="0"/>
-              <a:t> defines promoter role</a:t>
-            </a:r>
-          </a:p>
-          <a:p>
-            <a:pPr marL="0" indent="0">
-              <a:buNone/>
-            </a:pPr>
+              <a:t> </a:t>
+            </a:r>
+          </a:p>
+          <a:p>
             <a:endParaRPr lang="en-GB" dirty="0"/>
           </a:p>
         </p:txBody>
@@ -3955,7 +4084,7 @@
     </p:spTree>
     <p:extLst>
       <p:ext uri="{BB962C8B-B14F-4D97-AF65-F5344CB8AC3E}">
-        <p14:creationId xmlns:p14="http://schemas.microsoft.com/office/powerpoint/2010/main" val="802694384"/>
+        <p14:creationId xmlns:p14="http://schemas.microsoft.com/office/powerpoint/2010/main" val="1317427284"/>
       </p:ext>
     </p:extLst>
   </p:cSld>
@@ -4005,6 +4134,198 @@
           <a:p>
             <a:r>
               <a:rPr lang="en-GB" dirty="0"/>
+              <a:t>Persistent identifiers (PIDs)</a:t>
+            </a:r>
+          </a:p>
+        </p:txBody>
+      </p:sp>
+      <p:sp>
+        <p:nvSpPr>
+          <p:cNvPr id="6" name="Content Placeholder 5">
+            <a:extLst>
+              <a:ext uri="{FF2B5EF4-FFF2-40B4-BE49-F238E27FC236}">
+                <a16:creationId xmlns:a16="http://schemas.microsoft.com/office/drawing/2014/main" id="{EF786E17-0337-4633-BDF5-676F4C563757}"/>
+              </a:ext>
+            </a:extLst>
+          </p:cNvPr>
+          <p:cNvSpPr>
+            <a:spLocks noGrp="1"/>
+          </p:cNvSpPr>
+          <p:nvPr>
+            <p:ph idx="1"/>
+          </p:nvPr>
+        </p:nvSpPr>
+        <p:spPr>
+          <a:xfrm>
+            <a:off x="838200" y="1555422"/>
+            <a:ext cx="10515600" cy="4817097"/>
+          </a:xfrm>
+        </p:spPr>
+        <p:txBody>
+          <a:bodyPr>
+            <a:normAutofit/>
+          </a:bodyPr>
+          <a:lstStyle/>
+          <a:p>
+            <a:pPr marL="0" indent="0">
+              <a:buNone/>
+            </a:pPr>
+            <a:r>
+              <a:rPr lang="en-GB" dirty="0"/>
+              <a:t>There are several services and technologies that provide PIDs, like:</a:t>
+            </a:r>
+          </a:p>
+          <a:p>
+            <a:pPr marL="0" indent="0">
+              <a:buNone/>
+            </a:pPr>
+            <a:r>
+              <a:rPr lang="en-GB" dirty="0"/>
+              <a:t>Digital Object Identifier </a:t>
+            </a:r>
+            <a:r>
+              <a:rPr lang="en-GB" dirty="0">
+                <a:hlinkClick r:id="rId2"/>
+              </a:rPr>
+              <a:t>(DOI)</a:t>
+            </a:r>
+            <a:r>
+              <a:rPr lang="en-GB" dirty="0"/>
+              <a:t> (prefix doi.org in the web links). </a:t>
+            </a:r>
+          </a:p>
+          <a:p>
+            <a:pPr marL="0" indent="0">
+              <a:buNone/>
+            </a:pPr>
+            <a:endParaRPr lang="en-GB" dirty="0">
+              <a:hlinkClick r:id="rId3"/>
+            </a:endParaRPr>
+          </a:p>
+          <a:p>
+            <a:pPr marL="0" indent="0">
+              <a:buNone/>
+            </a:pPr>
+            <a:r>
+              <a:rPr lang="en-GB" dirty="0">
+                <a:hlinkClick r:id="rId3"/>
+              </a:rPr>
+              <a:t>https://doi.org/10.1038/sdata.2016.18</a:t>
+            </a:r>
+            <a:r>
+              <a:rPr lang="en-GB" dirty="0"/>
+              <a:t> resolves to the FAIR paper</a:t>
+            </a:r>
+          </a:p>
+          <a:p>
+            <a:pPr marL="0" indent="0">
+              <a:buNone/>
+            </a:pPr>
+            <a:endParaRPr lang="en-GB" dirty="0"/>
+          </a:p>
+          <a:p>
+            <a:pPr marL="0" indent="0">
+              <a:buNone/>
+            </a:pPr>
+            <a:r>
+              <a:rPr lang="en-GB" dirty="0"/>
+              <a:t>Repositories often maintain web addresses in a stable form (permalinks) </a:t>
+            </a:r>
+            <a:r>
+              <a:rPr lang="en-GB" dirty="0">
+                <a:hlinkClick r:id="rId4"/>
+              </a:rPr>
+              <a:t>http://repository.adress/identifier</a:t>
+            </a:r>
+            <a:r>
+              <a:rPr lang="en-GB" dirty="0"/>
+              <a:t>.</a:t>
+            </a:r>
+          </a:p>
+          <a:p>
+            <a:pPr marL="0" indent="0">
+              <a:buNone/>
+            </a:pPr>
+            <a:endParaRPr lang="en-GB" dirty="0">
+              <a:hlinkClick r:id="rId5"/>
+            </a:endParaRPr>
+          </a:p>
+          <a:p>
+            <a:pPr marL="0" indent="0">
+              <a:buNone/>
+            </a:pPr>
+            <a:r>
+              <a:rPr lang="en-GB" dirty="0">
+                <a:hlinkClick r:id="rId5"/>
+              </a:rPr>
+              <a:t>http://identifiers.org/SO:0000167</a:t>
+            </a:r>
+            <a:r>
+              <a:rPr lang="en-GB" dirty="0"/>
+              <a:t> defines promoter role</a:t>
+            </a:r>
+          </a:p>
+          <a:p>
+            <a:pPr marL="0" indent="0">
+              <a:buNone/>
+            </a:pPr>
+            <a:endParaRPr lang="en-GB" dirty="0"/>
+          </a:p>
+        </p:txBody>
+      </p:sp>
+    </p:spTree>
+    <p:extLst>
+      <p:ext uri="{BB962C8B-B14F-4D97-AF65-F5344CB8AC3E}">
+        <p14:creationId xmlns:p14="http://schemas.microsoft.com/office/powerpoint/2010/main" val="802694384"/>
+      </p:ext>
+    </p:extLst>
+  </p:cSld>
+  <p:clrMapOvr>
+    <a:masterClrMapping/>
+  </p:clrMapOvr>
+</p:sld>
+</file>
+
+<file path=ppt/slides/slide13.xml><?xml version="1.0" encoding="utf-8"?>
+<p:sld xmlns:a="http://schemas.openxmlformats.org/drawingml/2006/main" xmlns:r="http://schemas.openxmlformats.org/officeDocument/2006/relationships" xmlns:p="http://schemas.openxmlformats.org/presentationml/2006/main">
+  <p:cSld>
+    <p:spTree>
+      <p:nvGrpSpPr>
+        <p:cNvPr id="1" name=""/>
+        <p:cNvGrpSpPr/>
+        <p:nvPr/>
+      </p:nvGrpSpPr>
+      <p:grpSpPr>
+        <a:xfrm>
+          <a:off x="0" y="0"/>
+          <a:ext cx="0" cy="0"/>
+          <a:chOff x="0" y="0"/>
+          <a:chExt cx="0" cy="0"/>
+        </a:xfrm>
+      </p:grpSpPr>
+      <p:sp>
+        <p:nvSpPr>
+          <p:cNvPr id="2" name="Title 1">
+            <a:extLst>
+              <a:ext uri="{FF2B5EF4-FFF2-40B4-BE49-F238E27FC236}">
+                <a16:creationId xmlns:a16="http://schemas.microsoft.com/office/drawing/2014/main" id="{DCE85B1F-4F7D-4B0E-B52B-0D935F9C12EE}"/>
+              </a:ext>
+            </a:extLst>
+          </p:cNvPr>
+          <p:cNvSpPr>
+            <a:spLocks noGrp="1"/>
+          </p:cNvSpPr>
+          <p:nvPr>
+            <p:ph type="title"/>
+          </p:nvPr>
+        </p:nvSpPr>
+        <p:spPr/>
+        <p:txBody>
+          <a:bodyPr/>
+          <a:lstStyle/>
+          <a:p>
+            <a:r>
+              <a:rPr lang="en-GB" dirty="0"/>
               <a:t>Interoperable</a:t>
             </a:r>
           </a:p>
@@ -4127,7 +4448,7 @@
 </p:sld>
 </file>
 
-<file path=ppt/slides/slide13.xml><?xml version="1.0" encoding="utf-8"?>
+<file path=ppt/slides/slide14.xml><?xml version="1.0" encoding="utf-8"?>
 <p:sld xmlns:a="http://schemas.openxmlformats.org/drawingml/2006/main" xmlns:r="http://schemas.openxmlformats.org/officeDocument/2006/relationships" xmlns:p="http://schemas.openxmlformats.org/presentationml/2006/main">
   <p:cSld>
     <p:spTree>
@@ -4310,7 +4631,7 @@
 </p:sld>
 </file>
 
-<file path=ppt/slides/slide14.xml><?xml version="1.0" encoding="utf-8"?>
+<file path=ppt/slides/slide15.xml><?xml version="1.0" encoding="utf-8"?>
 <p:sld xmlns:a="http://schemas.openxmlformats.org/drawingml/2006/main" xmlns:r="http://schemas.openxmlformats.org/officeDocument/2006/relationships" xmlns:p="http://schemas.openxmlformats.org/presentationml/2006/main">
   <p:cSld>
     <p:spTree>
@@ -4522,7 +4843,7 @@
 </p:sld>
 </file>
 
-<file path=ppt/slides/slide15.xml><?xml version="1.0" encoding="utf-8"?>
+<file path=ppt/slides/slide16.xml><?xml version="1.0" encoding="utf-8"?>
 <p:sld xmlns:a="http://schemas.openxmlformats.org/drawingml/2006/main" xmlns:r="http://schemas.openxmlformats.org/officeDocument/2006/relationships" xmlns:p="http://schemas.openxmlformats.org/presentationml/2006/main">
   <p:cSld>
     <p:spTree>
@@ -4662,7 +4983,7 @@
 </p:sld>
 </file>
 
-<file path=ppt/slides/slide16.xml><?xml version="1.0" encoding="utf-8"?>
+<file path=ppt/slides/slide17.xml><?xml version="1.0" encoding="utf-8"?>
 <p:sld xmlns:a="http://schemas.openxmlformats.org/drawingml/2006/main" xmlns:r="http://schemas.openxmlformats.org/officeDocument/2006/relationships" xmlns:p="http://schemas.openxmlformats.org/presentationml/2006/main">
   <p:cSld>
     <p:spTree>
@@ -4973,7 +5294,7 @@
 </p:sld>
 </file>
 
-<file path=ppt/slides/slide17.xml><?xml version="1.0" encoding="utf-8"?>
+<file path=ppt/slides/slide18.xml><?xml version="1.0" encoding="utf-8"?>
 <p:sld xmlns:a="http://schemas.openxmlformats.org/drawingml/2006/main" xmlns:r="http://schemas.openxmlformats.org/officeDocument/2006/relationships" xmlns:p="http://schemas.openxmlformats.org/presentationml/2006/main">
   <p:cSld>
     <p:spTree>
@@ -5097,7 +5418,7 @@
 </p:sld>
 </file>
 
-<file path=ppt/slides/slide18.xml><?xml version="1.0" encoding="utf-8"?>
+<file path=ppt/slides/slide19.xml><?xml version="1.0" encoding="utf-8"?>
 <p:sld xmlns:a="http://schemas.openxmlformats.org/drawingml/2006/main" xmlns:r="http://schemas.openxmlformats.org/officeDocument/2006/relationships" xmlns:p="http://schemas.openxmlformats.org/presentationml/2006/main">
   <p:cSld>
     <p:bg>
@@ -6164,7 +6485,7 @@
           <a:lstStyle/>
           <a:p>
             <a:pPr algn="ctr"/>
-            <a:endParaRPr lang="en-US"/>
+            <a:endParaRPr lang="en-US" dirty="0"/>
           </a:p>
         </p:txBody>
       </p:sp>
@@ -6405,7 +6726,7 @@
           <a:lstStyle/>
           <a:p>
             <a:pPr algn="ctr"/>
-            <a:endParaRPr lang="en-US"/>
+            <a:endParaRPr lang="en-US" dirty="0"/>
           </a:p>
         </p:txBody>
       </p:sp>
@@ -6472,7 +6793,7 @@
         </p:spPr>
         <p:txBody>
           <a:bodyPr anchor="t">
-            <a:normAutofit fontScale="92500" lnSpcReduction="10000"/>
+            <a:normAutofit fontScale="85000" lnSpcReduction="20000"/>
           </a:bodyPr>
           <a:lstStyle/>
           <a:p>
@@ -6531,6 +6852,19 @@
               <a:rPr lang="en-GB" sz="2400" dirty="0"/>
               <a:t>recipes, laboratory and measurement protocols</a:t>
             </a:r>
+            <a:endParaRPr lang="pl-PL" sz="2400" dirty="0"/>
+          </a:p>
+          <a:p>
+            <a:pPr>
+              <a:lnSpc>
+                <a:spcPct val="120000"/>
+              </a:lnSpc>
+            </a:pPr>
+            <a:r>
+              <a:rPr lang="pl-PL" sz="2400" dirty="0" err="1"/>
+              <a:t>modeles</a:t>
+            </a:r>
+            <a:endParaRPr lang="en-GB" sz="2400" dirty="0"/>
           </a:p>
           <a:p>
             <a:pPr>
@@ -7186,7 +7520,7 @@
           <a:lstStyle/>
           <a:p>
             <a:pPr algn="ctr"/>
-            <a:endParaRPr lang="en-US"/>
+            <a:endParaRPr lang="en-US" dirty="0"/>
           </a:p>
         </p:txBody>
       </p:sp>
@@ -7392,7 +7726,7 @@
           <a:lstStyle/>
           <a:p>
             <a:pPr algn="ctr"/>
-            <a:endParaRPr lang="en-US"/>
+            <a:endParaRPr lang="en-US" dirty="0"/>
           </a:p>
         </p:txBody>
       </p:sp>
@@ -7691,7 +8025,7 @@
           <p:cNvPr id="2" name="Title 1">
             <a:extLst>
               <a:ext uri="{FF2B5EF4-FFF2-40B4-BE49-F238E27FC236}">
-                <a16:creationId xmlns:a16="http://schemas.microsoft.com/office/drawing/2014/main" id="{7CBC591E-5DBA-4225-9356-B455AD77E2F2}"/>
+                <a16:creationId xmlns:a16="http://schemas.microsoft.com/office/drawing/2014/main" id="{ED5A9BE0-3835-43A7-AEA4-D729BDA014EF}"/>
               </a:ext>
             </a:extLst>
           </p:cNvPr>
@@ -7709,17 +8043,22 @@
           <a:p>
             <a:r>
               <a:rPr lang="en-GB" dirty="0"/>
-              <a:t>Common problems</a:t>
-            </a:r>
-          </a:p>
-        </p:txBody>
-      </p:sp>
-      <p:sp>
-        <p:nvSpPr>
-          <p:cNvPr id="3" name="Content Placeholder 2">
-            <a:extLst>
-              <a:ext uri="{FF2B5EF4-FFF2-40B4-BE49-F238E27FC236}">
-                <a16:creationId xmlns:a16="http://schemas.microsoft.com/office/drawing/2014/main" id="{925D96EA-985C-42EF-A20F-F2A2EA1FFA9E}"/>
+              <a:t>Impossible </a:t>
+            </a:r>
+            <a:r>
+              <a:rPr lang="pl-PL" dirty="0" err="1"/>
+              <a:t>average</a:t>
+            </a:r>
+            <a:endParaRPr lang="en-GB" dirty="0"/>
+          </a:p>
+        </p:txBody>
+      </p:sp>
+      <p:sp>
+        <p:nvSpPr>
+          <p:cNvPr id="4" name="Symbol zastępczy zawartości 3">
+            <a:extLst>
+              <a:ext uri="{FF2B5EF4-FFF2-40B4-BE49-F238E27FC236}">
+                <a16:creationId xmlns:a16="http://schemas.microsoft.com/office/drawing/2014/main" id="{9BA47F76-0C9A-4826-9684-EF4E7756CF11}"/>
               </a:ext>
             </a:extLst>
           </p:cNvPr>
@@ -7735,56 +8074,82 @@
           <a:bodyPr/>
           <a:lstStyle/>
           <a:p>
+            <a:r>
+              <a:rPr lang="en-GB" dirty="0"/>
+              <a:t>Difficult</a:t>
+            </a:r>
+            <a:r>
+              <a:rPr lang="pl-PL" dirty="0"/>
+              <a:t> to </a:t>
+            </a:r>
+            <a:r>
+              <a:rPr lang="pl-PL" dirty="0" err="1"/>
+              <a:t>find</a:t>
+            </a:r>
+            <a:r>
+              <a:rPr lang="pl-PL" dirty="0"/>
+              <a:t> the </a:t>
+            </a:r>
+            <a:r>
+              <a:rPr lang="pl-PL" dirty="0" err="1"/>
+              <a:t>right</a:t>
+            </a:r>
+            <a:r>
+              <a:rPr lang="pl-PL" dirty="0"/>
+              <a:t> data </a:t>
+            </a:r>
+            <a:r>
+              <a:rPr lang="pl-PL" dirty="0" err="1"/>
+              <a:t>table</a:t>
+            </a:r>
+            <a:r>
+              <a:rPr lang="pl-PL" dirty="0"/>
+              <a:t> and </a:t>
+            </a:r>
+            <a:r>
+              <a:rPr lang="pl-PL" dirty="0" err="1"/>
+              <a:t>column</a:t>
+            </a:r>
             <a:endParaRPr lang="pl-PL" dirty="0"/>
           </a:p>
           <a:p>
             <a:r>
-              <a:rPr lang="en-GB" dirty="0"/>
-              <a:t>Only averaged data available</a:t>
-            </a:r>
-          </a:p>
-          <a:p>
-            <a:r>
-              <a:rPr lang="en-GB" dirty="0"/>
-              <a:t>No numerical data available</a:t>
-            </a:r>
-          </a:p>
-          <a:p>
-            <a:r>
-              <a:rPr lang="en-GB" dirty="0"/>
-              <a:t>Data tables as PDF files in supporting information</a:t>
-            </a:r>
-          </a:p>
-          <a:p>
-            <a:r>
-              <a:rPr lang="en-GB" dirty="0"/>
-              <a:t>Vendor specific file formats</a:t>
-            </a:r>
-          </a:p>
-          <a:p>
-            <a:r>
-              <a:rPr lang="en-GB" dirty="0"/>
-              <a:t>Links to non existing group websites / databases</a:t>
-            </a:r>
-          </a:p>
-          <a:p>
-            <a:r>
-              <a:rPr lang="en-GB" dirty="0"/>
-              <a:t>Data / Code “on request”</a:t>
-            </a:r>
-          </a:p>
-          <a:p>
-            <a:endParaRPr lang="en-GB" dirty="0"/>
-          </a:p>
-          <a:p>
-            <a:endParaRPr lang="en-GB" dirty="0"/>
+              <a:rPr lang="pl-PL" dirty="0" err="1"/>
+              <a:t>Numerical</a:t>
+            </a:r>
+            <a:r>
+              <a:rPr lang="pl-PL" dirty="0"/>
+              <a:t> data in pdf not </a:t>
+            </a:r>
+            <a:r>
+              <a:rPr lang="pl-PL" dirty="0" err="1"/>
+              <a:t>suitable</a:t>
+            </a:r>
+            <a:r>
+              <a:rPr lang="pl-PL" dirty="0"/>
+              <a:t> for </a:t>
+            </a:r>
+            <a:r>
+              <a:rPr lang="pl-PL" dirty="0" err="1"/>
+              <a:t>calculations</a:t>
+            </a:r>
+            <a:endParaRPr lang="pl-PL" dirty="0"/>
+          </a:p>
+          <a:p>
+            <a:endParaRPr lang="pl-PL" dirty="0"/>
+          </a:p>
+          <a:p>
+            <a:r>
+              <a:rPr lang="pl-PL" dirty="0"/>
+              <a:t> </a:t>
+            </a:r>
           </a:p>
         </p:txBody>
       </p:sp>
     </p:spTree>
     <p:extLst>
       <p:ext uri="{BB962C8B-B14F-4D97-AF65-F5344CB8AC3E}">
-        <p14:creationId xmlns:p14="http://schemas.microsoft.com/office/powerpoint/2010/main" val="1047785580"/>
+        <p14:creationId xmlns:p14="http://schemas.microsoft.com/office/powerpoint/2010/main" val="860035424"/>
       </p:ext>
     </p:extLst>
   </p:cSld>
@@ -7816,7 +8181,7 @@
           <p:cNvPr id="2" name="Title 1">
             <a:extLst>
               <a:ext uri="{FF2B5EF4-FFF2-40B4-BE49-F238E27FC236}">
-                <a16:creationId xmlns:a16="http://schemas.microsoft.com/office/drawing/2014/main" id="{ADB2D9D2-D70D-4096-9D1F-9C14A2E4C401}"/>
+                <a16:creationId xmlns:a16="http://schemas.microsoft.com/office/drawing/2014/main" id="{7CBC591E-5DBA-4225-9356-B455AD77E2F2}"/>
               </a:ext>
             </a:extLst>
           </p:cNvPr>
@@ -7844,7 +8209,7 @@
           <p:cNvPr id="3" name="Content Placeholder 2">
             <a:extLst>
               <a:ext uri="{FF2B5EF4-FFF2-40B4-BE49-F238E27FC236}">
-                <a16:creationId xmlns:a16="http://schemas.microsoft.com/office/drawing/2014/main" id="{A33D701F-93E2-48AA-83A7-DB6D27798AB0}"/>
+                <a16:creationId xmlns:a16="http://schemas.microsoft.com/office/drawing/2014/main" id="{925D96EA-985C-42EF-A20F-F2A2EA1FFA9E}"/>
               </a:ext>
             </a:extLst>
           </p:cNvPr>
@@ -7860,84 +8225,56 @@
           <a:bodyPr/>
           <a:lstStyle/>
           <a:p>
+            <a:endParaRPr lang="pl-PL" dirty="0"/>
+          </a:p>
+          <a:p>
             <a:r>
               <a:rPr lang="en-GB" dirty="0"/>
-              <a:t>the protocol was difficult to </a:t>
-            </a:r>
-            <a:r>
-              <a:rPr lang="en-GB" b="1" i="1" dirty="0"/>
-              <a:t>find</a:t>
-            </a:r>
+              <a:t>Only averaged data available</a:t>
+            </a:r>
+          </a:p>
+          <a:p>
             <a:r>
               <a:rPr lang="en-GB" dirty="0"/>
-              <a:t> (the loops)</a:t>
+              <a:t>No numerical data available</a:t>
             </a:r>
           </a:p>
           <a:p>
             <a:r>
               <a:rPr lang="en-GB" dirty="0"/>
-              <a:t>the protocol difficult to </a:t>
-            </a:r>
-            <a:r>
-              <a:rPr lang="en-GB" b="1" i="1" dirty="0"/>
-              <a:t>access</a:t>
-            </a:r>
+              <a:t>Data tables as PDF files in supporting information</a:t>
+            </a:r>
+          </a:p>
+          <a:p>
             <a:r>
               <a:rPr lang="en-GB" dirty="0"/>
-              <a:t> (pay wall)</a:t>
+              <a:t>Vendor specific file formats</a:t>
             </a:r>
           </a:p>
           <a:p>
             <a:r>
               <a:rPr lang="en-GB" dirty="0"/>
-              <a:t>and not </a:t>
-            </a:r>
-            <a:r>
-              <a:rPr lang="en-GB" b="1" i="1" dirty="0"/>
-              <a:t>reusable</a:t>
-            </a:r>
+              <a:t>Links to non existing group websites / databases</a:t>
+            </a:r>
+          </a:p>
+          <a:p>
             <a:r>
               <a:rPr lang="en-GB" dirty="0"/>
-              <a:t> as it lacked the necessary details (dead-end)</a:t>
-            </a:r>
-          </a:p>
-          <a:p>
-            <a:pPr marL="0" indent="0">
-              <a:buNone/>
-            </a:pPr>
+              <a:t>Data / Code “on request”</a:t>
+            </a:r>
+          </a:p>
+          <a:p>
             <a:endParaRPr lang="en-GB" dirty="0"/>
           </a:p>
           <a:p>
-            <a:pPr marL="0" indent="0">
-              <a:buNone/>
-            </a:pPr>
-            <a:r>
-              <a:rPr lang="en-GB" dirty="0"/>
-              <a:t>In the second example the data were not </a:t>
-            </a:r>
-            <a:r>
-              <a:rPr lang="en-GB" b="1" i="1" dirty="0"/>
-              <a:t>interoperable</a:t>
-            </a:r>
-            <a:r>
-              <a:rPr lang="en-GB" dirty="0"/>
-              <a:t> and </a:t>
-            </a:r>
-            <a:r>
-              <a:rPr lang="en-GB" b="1" i="1" dirty="0"/>
-              <a:t>reusable</a:t>
-            </a:r>
-            <a:r>
-              <a:rPr lang="en-GB" dirty="0"/>
-              <a:t> as their were only available as a figure graph so not a numerical format</a:t>
-            </a:r>
+            <a:endParaRPr lang="en-GB" dirty="0"/>
           </a:p>
         </p:txBody>
       </p:sp>
     </p:spTree>
     <p:extLst>
       <p:ext uri="{BB962C8B-B14F-4D97-AF65-F5344CB8AC3E}">
-        <p14:creationId xmlns:p14="http://schemas.microsoft.com/office/powerpoint/2010/main" val="1841609969"/>
+        <p14:creationId xmlns:p14="http://schemas.microsoft.com/office/powerpoint/2010/main" val="1047785580"/>
       </p:ext>
     </p:extLst>
   </p:cSld>
@@ -7969,6 +8306,218 @@
           <p:cNvPr id="2" name="Title 1">
             <a:extLst>
               <a:ext uri="{FF2B5EF4-FFF2-40B4-BE49-F238E27FC236}">
+                <a16:creationId xmlns:a16="http://schemas.microsoft.com/office/drawing/2014/main" id="{ADB2D9D2-D70D-4096-9D1F-9C14A2E4C401}"/>
+              </a:ext>
+            </a:extLst>
+          </p:cNvPr>
+          <p:cNvSpPr>
+            <a:spLocks noGrp="1"/>
+          </p:cNvSpPr>
+          <p:nvPr>
+            <p:ph type="title"/>
+          </p:nvPr>
+        </p:nvSpPr>
+        <p:spPr/>
+        <p:txBody>
+          <a:bodyPr/>
+          <a:lstStyle/>
+          <a:p>
+            <a:r>
+              <a:rPr lang="en-GB" dirty="0"/>
+              <a:t>Common problems</a:t>
+            </a:r>
+          </a:p>
+        </p:txBody>
+      </p:sp>
+      <p:sp>
+        <p:nvSpPr>
+          <p:cNvPr id="3" name="Content Placeholder 2">
+            <a:extLst>
+              <a:ext uri="{FF2B5EF4-FFF2-40B4-BE49-F238E27FC236}">
+                <a16:creationId xmlns:a16="http://schemas.microsoft.com/office/drawing/2014/main" id="{A33D701F-93E2-48AA-83A7-DB6D27798AB0}"/>
+              </a:ext>
+            </a:extLst>
+          </p:cNvPr>
+          <p:cNvSpPr>
+            <a:spLocks noGrp="1"/>
+          </p:cNvSpPr>
+          <p:nvPr>
+            <p:ph idx="1"/>
+          </p:nvPr>
+        </p:nvSpPr>
+        <p:spPr/>
+        <p:txBody>
+          <a:bodyPr/>
+          <a:lstStyle/>
+          <a:p>
+            <a:r>
+              <a:rPr lang="en-GB" dirty="0"/>
+              <a:t>the protocol was difficult to </a:t>
+            </a:r>
+            <a:r>
+              <a:rPr lang="en-GB" b="1" i="1" dirty="0"/>
+              <a:t>find</a:t>
+            </a:r>
+            <a:r>
+              <a:rPr lang="en-GB" dirty="0"/>
+              <a:t> (the loops)</a:t>
+            </a:r>
+          </a:p>
+          <a:p>
+            <a:r>
+              <a:rPr lang="en-GB" dirty="0"/>
+              <a:t>the protocol difficult to </a:t>
+            </a:r>
+            <a:r>
+              <a:rPr lang="en-GB" b="1" i="1" dirty="0"/>
+              <a:t>access</a:t>
+            </a:r>
+            <a:r>
+              <a:rPr lang="en-GB" dirty="0"/>
+              <a:t> (pay wall)</a:t>
+            </a:r>
+          </a:p>
+          <a:p>
+            <a:r>
+              <a:rPr lang="en-GB" dirty="0"/>
+              <a:t>and not </a:t>
+            </a:r>
+            <a:r>
+              <a:rPr lang="en-GB" b="1" i="1" dirty="0"/>
+              <a:t>reusable</a:t>
+            </a:r>
+            <a:r>
+              <a:rPr lang="en-GB" dirty="0"/>
+              <a:t> as it lacked the necessary details (dead-end)</a:t>
+            </a:r>
+          </a:p>
+          <a:p>
+            <a:pPr marL="0" indent="0">
+              <a:buNone/>
+            </a:pPr>
+            <a:endParaRPr lang="en-GB" dirty="0"/>
+          </a:p>
+          <a:p>
+            <a:pPr marL="0" indent="0">
+              <a:buNone/>
+            </a:pPr>
+            <a:r>
+              <a:rPr lang="en-GB" dirty="0"/>
+              <a:t>In the second example</a:t>
+            </a:r>
+            <a:endParaRPr lang="pl-PL" dirty="0"/>
+          </a:p>
+          <a:p>
+            <a:r>
+              <a:rPr lang="en-GB" dirty="0"/>
+              <a:t>the data were </a:t>
+            </a:r>
+            <a:r>
+              <a:rPr lang="pl-PL" dirty="0"/>
+              <a:t>in a </a:t>
+            </a:r>
+            <a:r>
+              <a:rPr lang="pl-PL" dirty="0" err="1"/>
+              <a:t>wrong</a:t>
+            </a:r>
+            <a:r>
+              <a:rPr lang="pl-PL" dirty="0"/>
+              <a:t> format (not</a:t>
+            </a:r>
+            <a:r>
+              <a:rPr lang="en-GB" dirty="0"/>
+              <a:t> </a:t>
+            </a:r>
+            <a:r>
+              <a:rPr lang="en-GB" b="1" i="1" dirty="0"/>
+              <a:t>interoperable</a:t>
+            </a:r>
+            <a:r>
+              <a:rPr lang="pl-PL" i="1" dirty="0"/>
+              <a:t>)</a:t>
+            </a:r>
+            <a:r>
+              <a:rPr lang="en-GB" dirty="0"/>
+              <a:t> </a:t>
+            </a:r>
+            <a:endParaRPr lang="pl-PL" dirty="0"/>
+          </a:p>
+          <a:p>
+            <a:r>
+              <a:rPr lang="pl-PL" dirty="0"/>
+              <a:t>The data </a:t>
+            </a:r>
+            <a:r>
+              <a:rPr lang="pl-PL" dirty="0" err="1"/>
+              <a:t>were</a:t>
+            </a:r>
+            <a:r>
+              <a:rPr lang="pl-PL" dirty="0"/>
+              <a:t> not </a:t>
+            </a:r>
+            <a:r>
+              <a:rPr lang="pl-PL" dirty="0" err="1"/>
+              <a:t>clearly</a:t>
+            </a:r>
+            <a:r>
+              <a:rPr lang="pl-PL" dirty="0"/>
+              <a:t> </a:t>
+            </a:r>
+            <a:r>
+              <a:rPr lang="pl-PL" dirty="0" err="1"/>
+              <a:t>described</a:t>
+            </a:r>
+            <a:r>
+              <a:rPr lang="pl-PL" dirty="0"/>
+              <a:t> (not </a:t>
+            </a:r>
+            <a:r>
+              <a:rPr lang="en-GB" b="1" i="1" dirty="0"/>
+              <a:t>reusable</a:t>
+            </a:r>
+            <a:r>
+              <a:rPr lang="pl-PL"/>
+              <a:t>)</a:t>
+            </a:r>
+            <a:endParaRPr lang="en-GB" dirty="0"/>
+          </a:p>
+        </p:txBody>
+      </p:sp>
+    </p:spTree>
+    <p:extLst>
+      <p:ext uri="{BB962C8B-B14F-4D97-AF65-F5344CB8AC3E}">
+        <p14:creationId xmlns:p14="http://schemas.microsoft.com/office/powerpoint/2010/main" val="1841609969"/>
+      </p:ext>
+    </p:extLst>
+  </p:cSld>
+  <p:clrMapOvr>
+    <a:masterClrMapping/>
+  </p:clrMapOvr>
+</p:sld>
+</file>
+
+<file path=ppt/slides/slide8.xml><?xml version="1.0" encoding="utf-8"?>
+<p:sld xmlns:a="http://schemas.openxmlformats.org/drawingml/2006/main" xmlns:r="http://schemas.openxmlformats.org/officeDocument/2006/relationships" xmlns:p="http://schemas.openxmlformats.org/presentationml/2006/main">
+  <p:cSld>
+    <p:spTree>
+      <p:nvGrpSpPr>
+        <p:cNvPr id="1" name=""/>
+        <p:cNvGrpSpPr/>
+        <p:nvPr/>
+      </p:nvGrpSpPr>
+      <p:grpSpPr>
+        <a:xfrm>
+          <a:off x="0" y="0"/>
+          <a:ext cx="0" cy="0"/>
+          <a:chOff x="0" y="0"/>
+          <a:chExt cx="0" cy="0"/>
+        </a:xfrm>
+      </p:grpSpPr>
+      <p:sp>
+        <p:nvSpPr>
+          <p:cNvPr id="2" name="Title 1">
+            <a:extLst>
+              <a:ext uri="{FF2B5EF4-FFF2-40B4-BE49-F238E27FC236}">
                 <a16:creationId xmlns:a16="http://schemas.microsoft.com/office/drawing/2014/main" id="{775BFE92-9990-4094-B7B2-01514614F16E}"/>
               </a:ext>
             </a:extLst>
@@ -8087,7 +8636,7 @@
 </p:sld>
 </file>
 
-<file path=ppt/slides/slide8.xml><?xml version="1.0" encoding="utf-8"?>
+<file path=ppt/slides/slide9.xml><?xml version="1.0" encoding="utf-8"?>
 <p:sld xmlns:a="http://schemas.openxmlformats.org/drawingml/2006/main" xmlns:r="http://schemas.openxmlformats.org/officeDocument/2006/relationships" xmlns:p="http://schemas.openxmlformats.org/presentationml/2006/main">
   <p:cSld>
     <p:spTree>
@@ -8440,334 +8989,6 @@
       </p:par>
     </p:tnLst>
   </p:timing>
-</p:sld>
-</file>
-
-<file path=ppt/slides/slide9.xml><?xml version="1.0" encoding="utf-8"?>
-<p:sld xmlns:a="http://schemas.openxmlformats.org/drawingml/2006/main" xmlns:r="http://schemas.openxmlformats.org/officeDocument/2006/relationships" xmlns:p="http://schemas.openxmlformats.org/presentationml/2006/main">
-  <p:cSld>
-    <p:spTree>
-      <p:nvGrpSpPr>
-        <p:cNvPr id="1" name=""/>
-        <p:cNvGrpSpPr/>
-        <p:nvPr/>
-      </p:nvGrpSpPr>
-      <p:grpSpPr>
-        <a:xfrm>
-          <a:off x="0" y="0"/>
-          <a:ext cx="0" cy="0"/>
-          <a:chOff x="0" y="0"/>
-          <a:chExt cx="0" cy="0"/>
-        </a:xfrm>
-      </p:grpSpPr>
-      <p:sp>
-        <p:nvSpPr>
-          <p:cNvPr id="2" name="Title 1">
-            <a:extLst>
-              <a:ext uri="{FF2B5EF4-FFF2-40B4-BE49-F238E27FC236}">
-                <a16:creationId xmlns:a16="http://schemas.microsoft.com/office/drawing/2014/main" id="{775BFE92-9990-4094-B7B2-01514614F16E}"/>
-              </a:ext>
-            </a:extLst>
-          </p:cNvPr>
-          <p:cNvSpPr>
-            <a:spLocks noGrp="1"/>
-          </p:cNvSpPr>
-          <p:nvPr>
-            <p:ph type="title"/>
-          </p:nvPr>
-        </p:nvSpPr>
-        <p:spPr/>
-        <p:txBody>
-          <a:bodyPr/>
-          <a:lstStyle/>
-          <a:p>
-            <a:r>
-              <a:rPr lang="en-GB" dirty="0"/>
-              <a:t>Findable &amp; Accessible</a:t>
-            </a:r>
-          </a:p>
-        </p:txBody>
-      </p:sp>
-      <p:sp>
-        <p:nvSpPr>
-          <p:cNvPr id="9" name="Rectangle 8">
-            <a:extLst>
-              <a:ext uri="{FF2B5EF4-FFF2-40B4-BE49-F238E27FC236}">
-                <a16:creationId xmlns:a16="http://schemas.microsoft.com/office/drawing/2014/main" id="{04AEE4B5-946D-4302-AC98-9937AF758DFD}"/>
-              </a:ext>
-            </a:extLst>
-          </p:cNvPr>
-          <p:cNvSpPr/>
-          <p:nvPr/>
-        </p:nvSpPr>
-        <p:spPr>
-          <a:xfrm>
-            <a:off x="633167" y="1461257"/>
-            <a:ext cx="10925666" cy="4154984"/>
-          </a:xfrm>
-          <a:prstGeom prst="rect">
-            <a:avLst/>
-          </a:prstGeom>
-        </p:spPr>
-        <p:txBody>
-          <a:bodyPr wrap="square">
-            <a:spAutoFit/>
-          </a:bodyPr>
-          <a:lstStyle/>
-          <a:p>
-            <a:r>
-              <a:rPr lang="en-GB" sz="2400" dirty="0">
-                <a:solidFill>
-                  <a:srgbClr val="0070C0"/>
-                </a:solidFill>
-              </a:rPr>
-              <a:t>Deposit data to an external, reputable public repository.</a:t>
-            </a:r>
-          </a:p>
-          <a:p>
-            <a:endParaRPr lang="en-GB" sz="2400" dirty="0">
-              <a:solidFill>
-                <a:srgbClr val="0070C0"/>
-              </a:solidFill>
-            </a:endParaRPr>
-          </a:p>
-          <a:p>
-            <a:r>
-              <a:rPr lang="en-GB" sz="2400" dirty="0">
-                <a:solidFill>
-                  <a:srgbClr val="0070C0"/>
-                </a:solidFill>
-              </a:rPr>
-              <a:t>Repositories provide </a:t>
-            </a:r>
-            <a:r>
-              <a:rPr lang="en-GB" sz="2400" b="1" dirty="0">
-                <a:solidFill>
-                  <a:srgbClr val="0070C0"/>
-                </a:solidFill>
-              </a:rPr>
-              <a:t>persistent identifiers </a:t>
-            </a:r>
-            <a:r>
-              <a:rPr lang="en-GB" sz="2400" dirty="0">
-                <a:solidFill>
-                  <a:srgbClr val="0070C0"/>
-                </a:solidFill>
-              </a:rPr>
-              <a:t>(PIDs), catalogue options, advanced metadata searching, and download statistics. Some repositories can also host private data or provide embargo periods, meaning access to all data can be delayed.</a:t>
-            </a:r>
-          </a:p>
-          <a:p>
-            <a:endParaRPr lang="en-GB" sz="2400" dirty="0">
-              <a:solidFill>
-                <a:srgbClr val="0070C0"/>
-              </a:solidFill>
-            </a:endParaRPr>
-          </a:p>
-          <a:p>
-            <a:r>
-              <a:rPr lang="en-GB" sz="2400" dirty="0">
-                <a:solidFill>
-                  <a:srgbClr val="0070C0"/>
-                </a:solidFill>
-              </a:rPr>
-              <a:t>There are general “data agnostic” repositories, for example: </a:t>
-            </a:r>
-          </a:p>
-          <a:p>
-            <a:r>
-              <a:rPr lang="en-GB" sz="2400" dirty="0">
-                <a:solidFill>
-                  <a:srgbClr val="0070C0"/>
-                </a:solidFill>
-                <a:hlinkClick r:id="rId2">
-                  <a:extLst>
-                    <a:ext uri="{A12FA001-AC4F-418D-AE19-62706E023703}">
-                      <ahyp:hlinkClr xmlns:ahyp="http://schemas.microsoft.com/office/drawing/2018/hyperlinkcolor" val="tx"/>
-                    </a:ext>
-                  </a:extLst>
-                </a:hlinkClick>
-              </a:rPr>
-              <a:t>Dryad</a:t>
-            </a:r>
-            <a:r>
-              <a:rPr lang="en-GB" sz="2400" dirty="0">
-                <a:solidFill>
-                  <a:srgbClr val="0070C0"/>
-                </a:solidFill>
-              </a:rPr>
-              <a:t>, </a:t>
-            </a:r>
-            <a:r>
-              <a:rPr lang="en-GB" sz="2400" dirty="0">
-                <a:solidFill>
-                  <a:srgbClr val="0070C0"/>
-                </a:solidFill>
-                <a:hlinkClick r:id="rId3">
-                  <a:extLst>
-                    <a:ext uri="{A12FA001-AC4F-418D-AE19-62706E023703}">
-                      <ahyp:hlinkClr xmlns:ahyp="http://schemas.microsoft.com/office/drawing/2018/hyperlinkcolor" val="tx"/>
-                    </a:ext>
-                  </a:extLst>
-                </a:hlinkClick>
-              </a:rPr>
-              <a:t>Zenodo</a:t>
-            </a:r>
-            <a:r>
-              <a:rPr lang="en-GB" sz="2400" dirty="0">
-                <a:solidFill>
-                  <a:srgbClr val="0070C0"/>
-                </a:solidFill>
-              </a:rPr>
-              <a:t>, </a:t>
-            </a:r>
-            <a:r>
-              <a:rPr lang="en-GB" sz="2400" dirty="0">
-                <a:solidFill>
-                  <a:srgbClr val="0070C0"/>
-                </a:solidFill>
-                <a:hlinkClick r:id="rId4">
-                  <a:extLst>
-                    <a:ext uri="{A12FA001-AC4F-418D-AE19-62706E023703}">
-                      <ahyp:hlinkClr xmlns:ahyp="http://schemas.microsoft.com/office/drawing/2018/hyperlinkcolor" val="tx"/>
-                    </a:ext>
-                  </a:extLst>
-                </a:hlinkClick>
-              </a:rPr>
-              <a:t>FigShare</a:t>
-            </a:r>
-            <a:r>
-              <a:rPr lang="en-GB" sz="2400" dirty="0">
-                <a:solidFill>
-                  <a:srgbClr val="0070C0"/>
-                </a:solidFill>
-              </a:rPr>
-              <a:t>, </a:t>
-            </a:r>
-            <a:r>
-              <a:rPr lang="en-GB" sz="2400" dirty="0">
-                <a:solidFill>
-                  <a:srgbClr val="0070C0"/>
-                </a:solidFill>
-                <a:hlinkClick r:id="rId5">
-                  <a:extLst>
-                    <a:ext uri="{A12FA001-AC4F-418D-AE19-62706E023703}">
-                      <ahyp:hlinkClr xmlns:ahyp="http://schemas.microsoft.com/office/drawing/2018/hyperlinkcolor" val="tx"/>
-                    </a:ext>
-                  </a:extLst>
-                </a:hlinkClick>
-              </a:rPr>
-              <a:t>Dataverse</a:t>
-            </a:r>
-            <a:r>
-              <a:rPr lang="en-GB" sz="2400" dirty="0">
-                <a:solidFill>
-                  <a:srgbClr val="0070C0"/>
-                </a:solidFill>
-              </a:rPr>
-              <a:t>. </a:t>
-            </a:r>
-          </a:p>
-          <a:p>
-            <a:endParaRPr lang="en-GB" sz="2400" dirty="0">
-              <a:solidFill>
-                <a:srgbClr val="0070C0"/>
-              </a:solidFill>
-            </a:endParaRPr>
-          </a:p>
-          <a:p>
-            <a:r>
-              <a:rPr lang="en-GB" sz="2400" dirty="0">
-                <a:solidFill>
-                  <a:srgbClr val="0070C0"/>
-                </a:solidFill>
-              </a:rPr>
-              <a:t>Or domain specific, for example: </a:t>
-            </a:r>
-          </a:p>
-          <a:p>
-            <a:r>
-              <a:rPr lang="en-GB" sz="2400" dirty="0">
-                <a:solidFill>
-                  <a:srgbClr val="0070C0"/>
-                </a:solidFill>
-                <a:hlinkClick r:id="rId6">
-                  <a:extLst>
-                    <a:ext uri="{A12FA001-AC4F-418D-AE19-62706E023703}">
-                      <ahyp:hlinkClr xmlns:ahyp="http://schemas.microsoft.com/office/drawing/2018/hyperlinkcolor" val="tx"/>
-                    </a:ext>
-                  </a:extLst>
-                </a:hlinkClick>
-              </a:rPr>
-              <a:t>UniProt</a:t>
-            </a:r>
-            <a:r>
-              <a:rPr lang="en-GB" sz="2400" dirty="0">
-                <a:solidFill>
-                  <a:srgbClr val="0070C0"/>
-                </a:solidFill>
-              </a:rPr>
-              <a:t> – protein data, </a:t>
-            </a:r>
-            <a:r>
-              <a:rPr lang="en-GB" sz="2400" dirty="0">
-                <a:solidFill>
-                  <a:srgbClr val="0070C0"/>
-                </a:solidFill>
-                <a:hlinkClick r:id="rId7">
-                  <a:extLst>
-                    <a:ext uri="{A12FA001-AC4F-418D-AE19-62706E023703}">
-                      <ahyp:hlinkClr xmlns:ahyp="http://schemas.microsoft.com/office/drawing/2018/hyperlinkcolor" val="tx"/>
-                    </a:ext>
-                  </a:extLst>
-                </a:hlinkClick>
-              </a:rPr>
-              <a:t>GenBank</a:t>
-            </a:r>
-            <a:r>
-              <a:rPr lang="en-GB" sz="2400" dirty="0">
-                <a:solidFill>
-                  <a:srgbClr val="0070C0"/>
-                </a:solidFill>
-              </a:rPr>
-              <a:t> – sequence data, </a:t>
-            </a:r>
-            <a:r>
-              <a:rPr lang="en-GB" sz="2400" dirty="0">
-                <a:solidFill>
-                  <a:srgbClr val="0070C0"/>
-                </a:solidFill>
-                <a:hlinkClick r:id="rId8">
-                  <a:extLst>
-                    <a:ext uri="{A12FA001-AC4F-418D-AE19-62706E023703}">
-                      <ahyp:hlinkClr xmlns:ahyp="http://schemas.microsoft.com/office/drawing/2018/hyperlinkcolor" val="tx"/>
-                    </a:ext>
-                  </a:extLst>
-                </a:hlinkClick>
-              </a:rPr>
-              <a:t>MetaboLights</a:t>
-            </a:r>
-            <a:r>
-              <a:rPr lang="en-GB" sz="2400" dirty="0">
-                <a:solidFill>
-                  <a:srgbClr val="0070C0"/>
-                </a:solidFill>
-              </a:rPr>
-              <a:t> – metabolomics data.</a:t>
-            </a:r>
-          </a:p>
-        </p:txBody>
-      </p:sp>
-    </p:spTree>
-    <p:extLst>
-      <p:ext uri="{BB962C8B-B14F-4D97-AF65-F5344CB8AC3E}">
-        <p14:creationId xmlns:p14="http://schemas.microsoft.com/office/powerpoint/2010/main" val="3399547409"/>
-      </p:ext>
-    </p:extLst>
-  </p:cSld>
-  <p:clrMapOvr>
-    <a:masterClrMapping/>
-  </p:clrMapOvr>
 </p:sld>
 </file>
 

--- a/instructors/03_Being_FAIR_Episode_v2.0.pptx
+++ b/instructors/03_Being_FAIR_Episode_v2.0.pptx
@@ -13,7 +13,7 @@
     <p:sldId id="260" r:id="rId7"/>
     <p:sldId id="261" r:id="rId8"/>
     <p:sldId id="265" r:id="rId9"/>
-    <p:sldId id="268" r:id="rId10"/>
+    <p:sldId id="280" r:id="rId10"/>
     <p:sldId id="269" r:id="rId11"/>
     <p:sldId id="270" r:id="rId12"/>
     <p:sldId id="272" r:id="rId13"/>
@@ -296,7 +296,7 @@
             <a:fld id="{DE72BEAC-A25F-4480-8AFC-1D3E290F2CC8}" type="datetimeFigureOut">
               <a:rPr lang="en-GB" smtClean="0"/>
               <a:pPr/>
-              <a:t>19/10/2021</a:t>
+              <a:t>16/12/2022</a:t>
             </a:fld>
             <a:endParaRPr lang="en-GB"/>
           </a:p>
@@ -560,7 +560,7 @@
           <a:p>
             <a:fld id="{DE72BEAC-A25F-4480-8AFC-1D3E290F2CC8}" type="datetimeFigureOut">
               <a:rPr lang="en-GB" smtClean="0"/>
-              <a:t>19/10/2021</a:t>
+              <a:t>16/12/2022</a:t>
             </a:fld>
             <a:endParaRPr lang="en-GB"/>
           </a:p>
@@ -770,7 +770,7 @@
           <a:p>
             <a:fld id="{DE72BEAC-A25F-4480-8AFC-1D3E290F2CC8}" type="datetimeFigureOut">
               <a:rPr lang="en-GB" smtClean="0"/>
-              <a:t>19/10/2021</a:t>
+              <a:t>16/12/2022</a:t>
             </a:fld>
             <a:endParaRPr lang="en-GB"/>
           </a:p>
@@ -970,7 +970,7 @@
           <a:p>
             <a:fld id="{DE72BEAC-A25F-4480-8AFC-1D3E290F2CC8}" type="datetimeFigureOut">
               <a:rPr lang="en-GB" smtClean="0"/>
-              <a:t>19/10/2021</a:t>
+              <a:t>16/12/2022</a:t>
             </a:fld>
             <a:endParaRPr lang="en-GB"/>
           </a:p>
@@ -1246,7 +1246,7 @@
           <a:p>
             <a:fld id="{DE72BEAC-A25F-4480-8AFC-1D3E290F2CC8}" type="datetimeFigureOut">
               <a:rPr lang="en-GB" smtClean="0"/>
-              <a:t>19/10/2021</a:t>
+              <a:t>16/12/2022</a:t>
             </a:fld>
             <a:endParaRPr lang="en-GB"/>
           </a:p>
@@ -1514,7 +1514,7 @@
           <a:p>
             <a:fld id="{DE72BEAC-A25F-4480-8AFC-1D3E290F2CC8}" type="datetimeFigureOut">
               <a:rPr lang="en-GB" smtClean="0"/>
-              <a:t>19/10/2021</a:t>
+              <a:t>16/12/2022</a:t>
             </a:fld>
             <a:endParaRPr lang="en-GB"/>
           </a:p>
@@ -1929,7 +1929,7 @@
           <a:p>
             <a:fld id="{DE72BEAC-A25F-4480-8AFC-1D3E290F2CC8}" type="datetimeFigureOut">
               <a:rPr lang="en-GB" smtClean="0"/>
-              <a:t>19/10/2021</a:t>
+              <a:t>16/12/2022</a:t>
             </a:fld>
             <a:endParaRPr lang="en-GB"/>
           </a:p>
@@ -2071,7 +2071,7 @@
           <a:p>
             <a:fld id="{DE72BEAC-A25F-4480-8AFC-1D3E290F2CC8}" type="datetimeFigureOut">
               <a:rPr lang="en-GB" smtClean="0"/>
-              <a:t>19/10/2021</a:t>
+              <a:t>16/12/2022</a:t>
             </a:fld>
             <a:endParaRPr lang="en-GB"/>
           </a:p>
@@ -2184,7 +2184,7 @@
           <a:p>
             <a:fld id="{DE72BEAC-A25F-4480-8AFC-1D3E290F2CC8}" type="datetimeFigureOut">
               <a:rPr lang="en-GB" smtClean="0"/>
-              <a:t>19/10/2021</a:t>
+              <a:t>16/12/2022</a:t>
             </a:fld>
             <a:endParaRPr lang="en-GB"/>
           </a:p>
@@ -2497,7 +2497,7 @@
           <a:p>
             <a:fld id="{DE72BEAC-A25F-4480-8AFC-1D3E290F2CC8}" type="datetimeFigureOut">
               <a:rPr lang="en-GB" smtClean="0"/>
-              <a:t>19/10/2021</a:t>
+              <a:t>16/12/2022</a:t>
             </a:fld>
             <a:endParaRPr lang="en-GB"/>
           </a:p>
@@ -2786,7 +2786,7 @@
           <a:p>
             <a:fld id="{DE72BEAC-A25F-4480-8AFC-1D3E290F2CC8}" type="datetimeFigureOut">
               <a:rPr lang="en-GB" smtClean="0"/>
-              <a:t>19/10/2021</a:t>
+              <a:t>16/12/2022</a:t>
             </a:fld>
             <a:endParaRPr lang="en-GB"/>
           </a:p>
@@ -3028,7 +3028,7 @@
             <a:fld id="{DE72BEAC-A25F-4480-8AFC-1D3E290F2CC8}" type="datetimeFigureOut">
               <a:rPr lang="en-GB" smtClean="0"/>
               <a:pPr/>
-              <a:t>19/10/2021</a:t>
+              <a:t>16/12/2022</a:t>
             </a:fld>
             <a:endParaRPr lang="en-GB"/>
           </a:p>
@@ -3756,7 +3756,7 @@
                 <a:hlinkClick r:id="rId2">
                   <a:extLst>
                     <a:ext uri="{A12FA001-AC4F-418D-AE19-62706E023703}">
-                      <ahyp:hlinkClr xmlns:ahyp="http://schemas.microsoft.com/office/drawing/2018/hyperlinkcolor" val="tx"/>
+                      <ahyp:hlinkClr xmlns:ahyp="http://schemas.microsoft.com/office/drawing/2018/hyperlinkcolor" xmlns="" val="tx"/>
                     </a:ext>
                   </a:extLst>
                 </a:hlinkClick>
@@ -3779,7 +3779,7 @@
                 <a:hlinkClick r:id="rId3">
                   <a:extLst>
                     <a:ext uri="{A12FA001-AC4F-418D-AE19-62706E023703}">
-                      <ahyp:hlinkClr xmlns:ahyp="http://schemas.microsoft.com/office/drawing/2018/hyperlinkcolor" val="tx"/>
+                      <ahyp:hlinkClr xmlns:ahyp="http://schemas.microsoft.com/office/drawing/2018/hyperlinkcolor" xmlns="" val="tx"/>
                     </a:ext>
                   </a:extLst>
                 </a:hlinkClick>
@@ -3802,7 +3802,7 @@
                 <a:hlinkClick r:id="rId4">
                   <a:extLst>
                     <a:ext uri="{A12FA001-AC4F-418D-AE19-62706E023703}">
-                      <ahyp:hlinkClr xmlns:ahyp="http://schemas.microsoft.com/office/drawing/2018/hyperlinkcolor" val="tx"/>
+                      <ahyp:hlinkClr xmlns:ahyp="http://schemas.microsoft.com/office/drawing/2018/hyperlinkcolor" xmlns="" val="tx"/>
                     </a:ext>
                   </a:extLst>
                 </a:hlinkClick>
@@ -3825,7 +3825,7 @@
                 <a:hlinkClick r:id="rId5">
                   <a:extLst>
                     <a:ext uri="{A12FA001-AC4F-418D-AE19-62706E023703}">
-                      <ahyp:hlinkClr xmlns:ahyp="http://schemas.microsoft.com/office/drawing/2018/hyperlinkcolor" val="tx"/>
+                      <ahyp:hlinkClr xmlns:ahyp="http://schemas.microsoft.com/office/drawing/2018/hyperlinkcolor" xmlns="" val="tx"/>
                     </a:ext>
                   </a:extLst>
                 </a:hlinkClick>
@@ -3867,7 +3867,7 @@
                 <a:hlinkClick r:id="rId6">
                   <a:extLst>
                     <a:ext uri="{A12FA001-AC4F-418D-AE19-62706E023703}">
-                      <ahyp:hlinkClr xmlns:ahyp="http://schemas.microsoft.com/office/drawing/2018/hyperlinkcolor" val="tx"/>
+                      <ahyp:hlinkClr xmlns:ahyp="http://schemas.microsoft.com/office/drawing/2018/hyperlinkcolor" xmlns="" val="tx"/>
                     </a:ext>
                   </a:extLst>
                 </a:hlinkClick>
@@ -3890,7 +3890,7 @@
                 <a:hlinkClick r:id="rId7">
                   <a:extLst>
                     <a:ext uri="{A12FA001-AC4F-418D-AE19-62706E023703}">
-                      <ahyp:hlinkClr xmlns:ahyp="http://schemas.microsoft.com/office/drawing/2018/hyperlinkcolor" val="tx"/>
+                      <ahyp:hlinkClr xmlns:ahyp="http://schemas.microsoft.com/office/drawing/2018/hyperlinkcolor" xmlns="" val="tx"/>
                     </a:ext>
                   </a:extLst>
                 </a:hlinkClick>
@@ -3913,7 +3913,7 @@
                 <a:hlinkClick r:id="rId8">
                   <a:extLst>
                     <a:ext uri="{A12FA001-AC4F-418D-AE19-62706E023703}">
-                      <ahyp:hlinkClr xmlns:ahyp="http://schemas.microsoft.com/office/drawing/2018/hyperlinkcolor" val="tx"/>
+                      <ahyp:hlinkClr xmlns:ahyp="http://schemas.microsoft.com/office/drawing/2018/hyperlinkcolor" xmlns="" val="tx"/>
                     </a:ext>
                   </a:extLst>
                 </a:hlinkClick>
@@ -4600,7 +4600,7 @@
                 <a14:useLocalDpi xmlns:a14="http://schemas.microsoft.com/office/drawing/2010/main" val="0"/>
               </a:ext>
               <a:ext uri="{96DAC541-7B7A-43D3-8B79-37D633B846F1}">
-                <asvg:svgBlip xmlns:asvg="http://schemas.microsoft.com/office/drawing/2016/SVG/main" r:embed="rId3"/>
+                <asvg:svgBlip xmlns:asvg="http://schemas.microsoft.com/office/drawing/2016/SVG/main" xmlns="" r:embed="rId3"/>
               </a:ext>
             </a:extLst>
           </a:blip>
@@ -4812,7 +4812,7 @@
                 <a14:useLocalDpi xmlns:a14="http://schemas.microsoft.com/office/drawing/2010/main" val="0"/>
               </a:ext>
               <a:ext uri="{96DAC541-7B7A-43D3-8B79-37D633B846F1}">
-                <asvg:svgBlip xmlns:asvg="http://schemas.microsoft.com/office/drawing/2016/SVG/main" r:embed="rId7"/>
+                <asvg:svgBlip xmlns:asvg="http://schemas.microsoft.com/office/drawing/2016/SVG/main" xmlns="" r:embed="rId7"/>
               </a:ext>
             </a:extLst>
           </a:blip>
@@ -5451,7 +5451,7 @@
                 <a16:creationId xmlns:a16="http://schemas.microsoft.com/office/drawing/2014/main" id="{91F32EBA-ED97-466E-8CFA-8382584155D0}"/>
               </a:ext>
               <a:ext uri="{C183D7F6-B498-43B3-948B-1728B52AA6E4}">
-                <adec:decorative xmlns:adec="http://schemas.microsoft.com/office/drawing/2017/decorative" val="1"/>
+                <adec:decorative xmlns:adec="http://schemas.microsoft.com/office/drawing/2017/decorative" xmlns="" val="1"/>
               </a:ext>
             </a:extLst>
           </p:cNvPr>
@@ -5584,7 +5584,7 @@
                 <a16:creationId xmlns:a16="http://schemas.microsoft.com/office/drawing/2014/main" id="{62A38935-BB53-4DF7-A56E-48DD25B685D7}"/>
               </a:ext>
               <a:ext uri="{C183D7F6-B498-43B3-948B-1728B52AA6E4}">
-                <adec:decorative xmlns:adec="http://schemas.microsoft.com/office/drawing/2017/decorative" val="1"/>
+                <adec:decorative xmlns:adec="http://schemas.microsoft.com/office/drawing/2017/decorative" xmlns="" val="1"/>
               </a:ext>
             </a:extLst>
           </p:cNvPr>
@@ -6371,7 +6371,7 @@
                 <a14:useLocalDpi xmlns:a14="http://schemas.microsoft.com/office/drawing/2010/main" val="0"/>
               </a:ext>
               <a:ext uri="{96DAC541-7B7A-43D3-8B79-37D633B846F1}">
-                <asvg:svgBlip xmlns:asvg="http://schemas.microsoft.com/office/drawing/2016/SVG/main" r:embed="rId3"/>
+                <asvg:svgBlip xmlns:asvg="http://schemas.microsoft.com/office/drawing/2016/SVG/main" xmlns="" r:embed="rId3"/>
               </a:ext>
             </a:extLst>
           </a:blip>
@@ -6437,7 +6437,7 @@
                 <a16:creationId xmlns:a16="http://schemas.microsoft.com/office/drawing/2014/main" id="{C4E4288A-DFC8-40A2-90E5-70E851A933AD}"/>
               </a:ext>
               <a:ext uri="{C183D7F6-B498-43B3-948B-1728B52AA6E4}">
-                <adec:decorative xmlns:adec="http://schemas.microsoft.com/office/drawing/2017/decorative" val="1"/>
+                <adec:decorative xmlns:adec="http://schemas.microsoft.com/office/drawing/2017/decorative" xmlns="" val="1"/>
               </a:ext>
             </a:extLst>
           </p:cNvPr>
@@ -6532,7 +6532,7 @@
                 <a16:creationId xmlns:a16="http://schemas.microsoft.com/office/drawing/2014/main" id="{A94A2FC9-6D19-473C-B868-99FDB2044AA9}"/>
               </a:ext>
               <a:ext uri="{C183D7F6-B498-43B3-948B-1728B52AA6E4}">
-                <adec:decorative xmlns:adec="http://schemas.microsoft.com/office/drawing/2017/decorative" val="1"/>
+                <adec:decorative xmlns:adec="http://schemas.microsoft.com/office/drawing/2017/decorative" xmlns="" val="1"/>
               </a:ext>
             </a:extLst>
           </p:cNvPr>
@@ -6745,13 +6745,13 @@
           <p:nvPr/>
         </p:nvPicPr>
         <p:blipFill>
-          <a:blip r:embed="rId2">
+          <a:blip r:embed="rId2" cstate="hqprint">
             <a:extLst>
               <a:ext uri="{28A0092B-C50C-407E-A947-70E740481C1C}">
                 <a14:useLocalDpi xmlns:a14="http://schemas.microsoft.com/office/drawing/2010/main" val="0"/>
               </a:ext>
               <a:ext uri="{96DAC541-7B7A-43D3-8B79-37D633B846F1}">
-                <asvg:svgBlip xmlns:asvg="http://schemas.microsoft.com/office/drawing/2016/SVG/main" r:embed="rId3"/>
+                <asvg:svgBlip xmlns:asvg="http://schemas.microsoft.com/office/drawing/2016/SVG/main" xmlns="" r:embed="rId3"/>
               </a:ext>
             </a:extLst>
           </a:blip>
@@ -6887,7 +6887,7 @@
                 <a16:creationId xmlns:a16="http://schemas.microsoft.com/office/drawing/2014/main" id="{8BED0409-854E-49C4-876E-A78C6D881BC8}"/>
               </a:ext>
               <a:ext uri="{C183D7F6-B498-43B3-948B-1728B52AA6E4}">
-                <adec:decorative xmlns:adec="http://schemas.microsoft.com/office/drawing/2017/decorative" val="1"/>
+                <adec:decorative xmlns:adec="http://schemas.microsoft.com/office/drawing/2017/decorative" xmlns="" val="1"/>
               </a:ext>
             </a:extLst>
           </p:cNvPr>
@@ -7532,7 +7532,7 @@
                 <a16:creationId xmlns:a16="http://schemas.microsoft.com/office/drawing/2014/main" id="{D4340B2E-01FD-4F5D-9C4D-AD3923AD20BA}"/>
               </a:ext>
               <a:ext uri="{C183D7F6-B498-43B3-948B-1728B52AA6E4}">
-                <adec:decorative xmlns:adec="http://schemas.microsoft.com/office/drawing/2017/decorative" val="1"/>
+                <adec:decorative xmlns:adec="http://schemas.microsoft.com/office/drawing/2017/decorative" xmlns="" val="1"/>
               </a:ext>
             </a:extLst>
           </p:cNvPr>
@@ -7751,7 +7751,7 @@
                 <a14:useLocalDpi xmlns:a14="http://schemas.microsoft.com/office/drawing/2010/main" val="0"/>
               </a:ext>
               <a:ext uri="{96DAC541-7B7A-43D3-8B79-37D633B846F1}">
-                <asvg:svgBlip xmlns:asvg="http://schemas.microsoft.com/office/drawing/2016/SVG/main" r:embed="rId5"/>
+                <asvg:svgBlip xmlns:asvg="http://schemas.microsoft.com/office/drawing/2016/SVG/main" xmlns="" r:embed="rId5"/>
               </a:ext>
             </a:extLst>
           </a:blip>
@@ -7790,7 +7790,7 @@
                 <a14:useLocalDpi xmlns:a14="http://schemas.microsoft.com/office/drawing/2010/main" val="0"/>
               </a:ext>
               <a:ext uri="{96DAC541-7B7A-43D3-8B79-37D633B846F1}">
-                <asvg:svgBlip xmlns:asvg="http://schemas.microsoft.com/office/drawing/2016/SVG/main" r:embed="rId7"/>
+                <asvg:svgBlip xmlns:asvg="http://schemas.microsoft.com/office/drawing/2016/SVG/main" xmlns="" r:embed="rId7"/>
               </a:ext>
             </a:extLst>
           </a:blip>
@@ -8675,7 +8675,11 @@
           <a:lstStyle/>
           <a:p>
             <a:r>
-              <a:rPr lang="en-GB" dirty="0"/>
+              <a:rPr lang="en-GB">
+                <a:solidFill>
+                  <a:srgbClr val="0070C0"/>
+                </a:solidFill>
+              </a:rPr>
               <a:t>FAIR principles</a:t>
             </a:r>
           </a:p>
@@ -8703,7 +8707,7 @@
           </a:prstGeom>
         </p:spPr>
         <p:txBody>
-          <a:bodyPr wrap="square">
+          <a:bodyPr wrap="square" lIns="91440" tIns="45720" rIns="91440" bIns="45720" anchor="t">
             <a:spAutoFit/>
           </a:bodyPr>
           <a:lstStyle/>
@@ -8722,7 +8726,86 @@
                   <a:srgbClr val="0070C0"/>
                 </a:solidFill>
               </a:rPr>
-              <a:t>: Easy to find the data and the metadata for both humans and computers. Automatic and reliable discovery of datasets and services depends on machine-readable persistent identifiers (PIDs) and metadata.</a:t>
+              <a:t>:  </a:t>
+            </a:r>
+            <a:endParaRPr lang="pl-PL" sz="2000" dirty="0">
+              <a:solidFill>
+                <a:srgbClr val="0070C0"/>
+              </a:solidFill>
+            </a:endParaRPr>
+          </a:p>
+          <a:p>
+            <a:pPr marL="342900" indent="-342900">
+              <a:buFont typeface="Arial" panose="020B0604020202020204" pitchFamily="34" charset="0"/>
+              <a:buChar char="•"/>
+            </a:pPr>
+            <a:r>
+              <a:rPr lang="en-GB" sz="2000" dirty="0" smtClean="0">
+                <a:solidFill>
+                  <a:srgbClr val="0070C0"/>
+                </a:solidFill>
+              </a:rPr>
+              <a:t>persistent identifiers pointing </a:t>
+            </a:r>
+            <a:r>
+              <a:rPr lang="pl-PL" sz="2000" dirty="0" smtClean="0">
+                <a:solidFill>
+                  <a:srgbClr val="0070C0"/>
+                </a:solidFill>
+              </a:rPr>
+              <a:t>to </a:t>
+            </a:r>
+            <a:r>
+              <a:rPr lang="pl-PL" sz="2000" dirty="0">
+                <a:solidFill>
+                  <a:srgbClr val="0070C0"/>
+                </a:solidFill>
+              </a:rPr>
+              <a:t>the data</a:t>
+            </a:r>
+            <a:endParaRPr lang="pl-PL" sz="2000" dirty="0">
+              <a:solidFill>
+                <a:srgbClr val="0070C0"/>
+              </a:solidFill>
+              <a:cs typeface="Calibri"/>
+            </a:endParaRPr>
+          </a:p>
+          <a:p>
+            <a:pPr marL="342900" indent="-342900">
+              <a:buFont typeface="Arial" panose="020B0604020202020204" pitchFamily="34" charset="0"/>
+              <a:buChar char="•"/>
+            </a:pPr>
+            <a:r>
+              <a:rPr lang="en-GB" sz="2000" dirty="0" smtClean="0">
+                <a:solidFill>
+                  <a:srgbClr val="0070C0"/>
+                </a:solidFill>
+              </a:rPr>
+              <a:t>descriptions that allow discovery</a:t>
+            </a:r>
+            <a:r>
+              <a:rPr lang="pl-PL" sz="2000" dirty="0" smtClean="0">
+                <a:solidFill>
+                  <a:srgbClr val="0070C0"/>
+                </a:solidFill>
+              </a:rPr>
+              <a:t> </a:t>
+            </a:r>
+            <a:r>
+              <a:rPr lang="pl-PL" sz="2000" dirty="0">
+                <a:solidFill>
+                  <a:srgbClr val="0070C0"/>
+                </a:solidFill>
+              </a:rPr>
+              <a:t>by</a:t>
+            </a:r>
+            <a:r>
+              <a:rPr lang="en-GB" sz="2000" dirty="0">
+                <a:solidFill>
+                  <a:srgbClr val="0070C0"/>
+                </a:solidFill>
+              </a:rPr>
+              <a:t> both humans and computers</a:t>
             </a:r>
           </a:p>
           <a:p>
@@ -8747,8 +8830,70 @@
                   <a:srgbClr val="0070C0"/>
                 </a:solidFill>
               </a:rPr>
-              <a:t>: The (meta)data retrievable by their identifier using a standardised and open communications protocol (including authentication and authorisation). Metadata should be available even when the data are no longer available.</a:t>
-            </a:r>
+              <a:t>: </a:t>
+            </a:r>
+            <a:endParaRPr lang="pl-PL" sz="2000" dirty="0">
+              <a:solidFill>
+                <a:srgbClr val="0070C0"/>
+              </a:solidFill>
+            </a:endParaRPr>
+          </a:p>
+          <a:p>
+            <a:pPr marL="342900" indent="-342900">
+              <a:buFont typeface="Arial" panose="020B0604020202020204" pitchFamily="34" charset="0"/>
+              <a:buChar char="•"/>
+            </a:pPr>
+            <a:r>
+              <a:rPr lang="en-GB" sz="2000" dirty="0">
+                <a:solidFill>
+                  <a:srgbClr val="0070C0"/>
+                </a:solidFill>
+              </a:rPr>
+              <a:t>(meta)data retrieval</a:t>
+            </a:r>
+            <a:r>
+              <a:rPr lang="pl-PL" sz="2000" dirty="0">
+                <a:solidFill>
+                  <a:srgbClr val="0070C0"/>
+                </a:solidFill>
+              </a:rPr>
+              <a:t> by standard protocols (http)</a:t>
+            </a:r>
+          </a:p>
+          <a:p>
+            <a:pPr marL="342900" indent="-342900">
+              <a:buFont typeface="Arial" panose="020B0604020202020204" pitchFamily="34" charset="0"/>
+              <a:buChar char="•"/>
+            </a:pPr>
+            <a:r>
+              <a:rPr lang="en-GB" sz="2000" dirty="0" smtClean="0">
+                <a:solidFill>
+                  <a:srgbClr val="0070C0"/>
+                </a:solidFill>
+              </a:rPr>
+              <a:t>metadata </a:t>
+            </a:r>
+            <a:r>
+              <a:rPr lang="en-GB" sz="2000" dirty="0">
+                <a:solidFill>
+                  <a:srgbClr val="0070C0"/>
+                </a:solidFill>
+              </a:rPr>
+              <a:t>available even when the data are no</a:t>
+            </a:r>
+            <a:r>
+              <a:rPr lang="pl-PL" sz="2000" dirty="0">
+                <a:solidFill>
+                  <a:srgbClr val="0070C0"/>
+                </a:solidFill>
+              </a:rPr>
+              <a:t>t</a:t>
+            </a:r>
+            <a:endParaRPr lang="en-GB" sz="2000" dirty="0">
+              <a:solidFill>
+                <a:srgbClr val="0070C0"/>
+              </a:solidFill>
+            </a:endParaRPr>
           </a:p>
           <a:p>
             <a:endParaRPr lang="en-GB" sz="2000" dirty="0">
@@ -8772,7 +8917,72 @@
                   <a:srgbClr val="0070C0"/>
                 </a:solidFill>
               </a:rPr>
-              <a:t>: The data should be able to be combined with and used with other data or tools. The format of the data should be open and interpretable for various tools. It applies both to the data and metadata, the (meta)data should use vocabularies that follow FAIR principles.</a:t>
+              <a:t>: </a:t>
+            </a:r>
+            <a:endParaRPr lang="pl-PL" sz="2000" dirty="0">
+              <a:solidFill>
+                <a:srgbClr val="0070C0"/>
+              </a:solidFill>
+            </a:endParaRPr>
+          </a:p>
+          <a:p>
+            <a:pPr marL="342900" indent="-342900">
+              <a:buFont typeface="Arial" panose="020B0604020202020204" pitchFamily="34" charset="0"/>
+              <a:buChar char="•"/>
+            </a:pPr>
+            <a:r>
+              <a:rPr lang="pl-PL" sz="2000" dirty="0">
+                <a:solidFill>
+                  <a:srgbClr val="0070C0"/>
+                </a:solidFill>
+              </a:rPr>
+              <a:t>(meta)data saved in open/common format (</a:t>
+            </a:r>
+            <a:r>
+              <a:rPr lang="en-GB" sz="2000" dirty="0">
+                <a:solidFill>
+                  <a:srgbClr val="0070C0"/>
+                </a:solidFill>
+              </a:rPr>
+              <a:t>interpretable for various tools</a:t>
+            </a:r>
+            <a:r>
+              <a:rPr lang="pl-PL" sz="2000" dirty="0">
+                <a:solidFill>
+                  <a:srgbClr val="0070C0"/>
+                </a:solidFill>
+              </a:rPr>
+              <a:t>)</a:t>
+            </a:r>
+          </a:p>
+          <a:p>
+            <a:pPr marL="342900" indent="-342900">
+              <a:buFont typeface="Arial" panose="020B0604020202020204" pitchFamily="34" charset="0"/>
+              <a:buChar char="•"/>
+            </a:pPr>
+            <a:r>
+              <a:rPr lang="en-GB" sz="2000" dirty="0">
+                <a:solidFill>
+                  <a:srgbClr val="0070C0"/>
+                </a:solidFill>
+              </a:rPr>
+              <a:t>(</a:t>
+            </a:r>
+            <a:r>
+              <a:rPr lang="pl-PL" sz="2000" dirty="0">
+                <a:solidFill>
+                  <a:srgbClr val="0070C0"/>
+                </a:solidFill>
+              </a:rPr>
+              <a:t>m</a:t>
+            </a:r>
+            <a:r>
+              <a:rPr lang="en-GB" sz="2000" dirty="0">
+                <a:solidFill>
+                  <a:srgbClr val="0070C0"/>
+                </a:solidFill>
+              </a:rPr>
+              <a:t>eta)data should use vocabularies that follow FAIR principles.</a:t>
             </a:r>
           </a:p>
           <a:p>
@@ -8797,7 +9007,85 @@
                   <a:srgbClr val="0070C0"/>
                 </a:solidFill>
               </a:rPr>
-              <a:t>: FAIR aims at optimising the reuse of data. Metadata and data should be well-described so that they can be replicated and/or combined in different settings. The reuse of the (meta)data should be stated with clear and accessible license(s)</a:t>
+              <a:t>: </a:t>
+            </a:r>
+            <a:endParaRPr lang="pl-PL" sz="2000" dirty="0">
+              <a:solidFill>
+                <a:srgbClr val="0070C0"/>
+              </a:solidFill>
+            </a:endParaRPr>
+          </a:p>
+          <a:p>
+            <a:pPr marL="342900" indent="-342900">
+              <a:buFont typeface="Arial" panose="020B0604020202020204" pitchFamily="34" charset="0"/>
+              <a:buChar char="•"/>
+            </a:pPr>
+            <a:r>
+              <a:rPr lang="en-GB" sz="2000" dirty="0">
+                <a:solidFill>
+                  <a:srgbClr val="0070C0"/>
+                </a:solidFill>
+              </a:rPr>
+              <a:t>data should be well-described so that they can be replicated and/or combined in different settings</a:t>
+            </a:r>
+            <a:endParaRPr lang="pl-PL" sz="2000" dirty="0">
+              <a:solidFill>
+                <a:srgbClr val="0070C0"/>
+              </a:solidFill>
+            </a:endParaRPr>
+          </a:p>
+          <a:p>
+            <a:pPr marL="342900" indent="-342900">
+              <a:buFont typeface="Arial" panose="020B0604020202020204" pitchFamily="34" charset="0"/>
+              <a:buChar char="•"/>
+            </a:pPr>
+            <a:r>
+              <a:rPr lang="pl-PL" sz="2000" dirty="0">
+                <a:solidFill>
+                  <a:srgbClr val="0070C0"/>
+                </a:solidFill>
+              </a:rPr>
+              <a:t>conditions of</a:t>
+            </a:r>
+            <a:r>
+              <a:rPr lang="en-GB" sz="2000" dirty="0">
+                <a:solidFill>
+                  <a:srgbClr val="0070C0"/>
+                </a:solidFill>
+              </a:rPr>
+              <a:t> </a:t>
+            </a:r>
+            <a:r>
+              <a:rPr lang="pl-PL" sz="2000" dirty="0">
+                <a:solidFill>
+                  <a:srgbClr val="0070C0"/>
+                </a:solidFill>
+              </a:rPr>
+              <a:t>t</a:t>
+            </a:r>
+            <a:r>
+              <a:rPr lang="en-GB" sz="2000" dirty="0">
+                <a:solidFill>
+                  <a:srgbClr val="0070C0"/>
+                </a:solidFill>
+              </a:rPr>
+              <a:t>he reuse should be stated with </a:t>
+            </a:r>
+            <a:r>
+              <a:rPr lang="pl-PL" sz="2000" dirty="0">
+                <a:solidFill>
+                  <a:srgbClr val="0070C0"/>
+                </a:solidFill>
+              </a:rPr>
+              <a:t>a </a:t>
+            </a:r>
+            <a:r>
+              <a:rPr lang="en-GB" sz="2000" dirty="0">
+                <a:solidFill>
+                  <a:srgbClr val="0070C0"/>
+                </a:solidFill>
+              </a:rPr>
+              <a:t>clear license</a:t>
             </a:r>
           </a:p>
         </p:txBody>
@@ -8805,190 +9093,13 @@
     </p:spTree>
     <p:extLst>
       <p:ext uri="{BB962C8B-B14F-4D97-AF65-F5344CB8AC3E}">
-        <p14:creationId xmlns:p14="http://schemas.microsoft.com/office/powerpoint/2010/main" val="2973248559"/>
+        <p14:creationId xmlns:p14="http://schemas.microsoft.com/office/powerpoint/2010/main" val="59580494"/>
       </p:ext>
     </p:extLst>
   </p:cSld>
   <p:clrMapOvr>
     <a:masterClrMapping/>
   </p:clrMapOvr>
-  <p:timing>
-    <p:tnLst>
-      <p:par>
-        <p:cTn id="1" dur="indefinite" restart="never" nodeType="tmRoot">
-          <p:childTnLst>
-            <p:seq concurrent="1" nextAc="seek">
-              <p:cTn id="2" dur="indefinite" nodeType="mainSeq">
-                <p:childTnLst>
-                  <p:par>
-                    <p:cTn id="3" fill="hold">
-                      <p:stCondLst>
-                        <p:cond delay="indefinite"/>
-                      </p:stCondLst>
-                      <p:childTnLst>
-                        <p:par>
-                          <p:cTn id="4" fill="hold">
-                            <p:stCondLst>
-                              <p:cond delay="0"/>
-                            </p:stCondLst>
-                            <p:childTnLst>
-                              <p:par>
-                                <p:cTn id="5" presetID="1" presetClass="entr" presetSubtype="0" fill="hold" nodeType="clickEffect">
-                                  <p:stCondLst>
-                                    <p:cond delay="0"/>
-                                  </p:stCondLst>
-                                  <p:childTnLst>
-                                    <p:set>
-                                      <p:cBhvr>
-                                        <p:cTn id="6" dur="1" fill="hold">
-                                          <p:stCondLst>
-                                            <p:cond delay="0"/>
-                                          </p:stCondLst>
-                                        </p:cTn>
-                                        <p:tgtEl>
-                                          <p:spTgt spid="9">
-                                            <p:txEl>
-                                              <p:pRg st="2" end="2"/>
-                                            </p:txEl>
-                                          </p:spTgt>
-                                        </p:tgtEl>
-                                        <p:attrNameLst>
-                                          <p:attrName>style.visibility</p:attrName>
-                                        </p:attrNameLst>
-                                      </p:cBhvr>
-                                      <p:to>
-                                        <p:strVal val="visible"/>
-                                      </p:to>
-                                    </p:set>
-                                  </p:childTnLst>
-                                </p:cTn>
-                              </p:par>
-                            </p:childTnLst>
-                          </p:cTn>
-                        </p:par>
-                      </p:childTnLst>
-                    </p:cTn>
-                  </p:par>
-                  <p:par>
-                    <p:cTn id="7" fill="hold">
-                      <p:stCondLst>
-                        <p:cond delay="indefinite"/>
-                      </p:stCondLst>
-                      <p:childTnLst>
-                        <p:par>
-                          <p:cTn id="8" fill="hold">
-                            <p:stCondLst>
-                              <p:cond delay="0"/>
-                            </p:stCondLst>
-                            <p:childTnLst>
-                              <p:par>
-                                <p:cTn id="9" presetID="1" presetClass="entr" presetSubtype="0" fill="hold" nodeType="clickEffect">
-                                  <p:stCondLst>
-                                    <p:cond delay="0"/>
-                                  </p:stCondLst>
-                                  <p:childTnLst>
-                                    <p:set>
-                                      <p:cBhvr>
-                                        <p:cTn id="10" dur="1" fill="hold">
-                                          <p:stCondLst>
-                                            <p:cond delay="0"/>
-                                          </p:stCondLst>
-                                        </p:cTn>
-                                        <p:tgtEl>
-                                          <p:spTgt spid="9">
-                                            <p:txEl>
-                                              <p:pRg st="4" end="4"/>
-                                            </p:txEl>
-                                          </p:spTgt>
-                                        </p:tgtEl>
-                                        <p:attrNameLst>
-                                          <p:attrName>style.visibility</p:attrName>
-                                        </p:attrNameLst>
-                                      </p:cBhvr>
-                                      <p:to>
-                                        <p:strVal val="visible"/>
-                                      </p:to>
-                                    </p:set>
-                                  </p:childTnLst>
-                                </p:cTn>
-                              </p:par>
-                            </p:childTnLst>
-                          </p:cTn>
-                        </p:par>
-                      </p:childTnLst>
-                    </p:cTn>
-                  </p:par>
-                  <p:par>
-                    <p:cTn id="11" fill="hold">
-                      <p:stCondLst>
-                        <p:cond delay="indefinite"/>
-                      </p:stCondLst>
-                      <p:childTnLst>
-                        <p:par>
-                          <p:cTn id="12" fill="hold">
-                            <p:stCondLst>
-                              <p:cond delay="0"/>
-                            </p:stCondLst>
-                            <p:childTnLst>
-                              <p:par>
-                                <p:cTn id="13" presetID="1" presetClass="entr" presetSubtype="0" fill="hold" nodeType="clickEffect">
-                                  <p:stCondLst>
-                                    <p:cond delay="0"/>
-                                  </p:stCondLst>
-                                  <p:childTnLst>
-                                    <p:set>
-                                      <p:cBhvr>
-                                        <p:cTn id="14" dur="1" fill="hold">
-                                          <p:stCondLst>
-                                            <p:cond delay="0"/>
-                                          </p:stCondLst>
-                                        </p:cTn>
-                                        <p:tgtEl>
-                                          <p:spTgt spid="9">
-                                            <p:txEl>
-                                              <p:pRg st="6" end="6"/>
-                                            </p:txEl>
-                                          </p:spTgt>
-                                        </p:tgtEl>
-                                        <p:attrNameLst>
-                                          <p:attrName>style.visibility</p:attrName>
-                                        </p:attrNameLst>
-                                      </p:cBhvr>
-                                      <p:to>
-                                        <p:strVal val="visible"/>
-                                      </p:to>
-                                    </p:set>
-                                  </p:childTnLst>
-                                </p:cTn>
-                              </p:par>
-                            </p:childTnLst>
-                          </p:cTn>
-                        </p:par>
-                      </p:childTnLst>
-                    </p:cTn>
-                  </p:par>
-                </p:childTnLst>
-              </p:cTn>
-              <p:prevCondLst>
-                <p:cond evt="onPrev" delay="0">
-                  <p:tgtEl>
-                    <p:sldTgt/>
-                  </p:tgtEl>
-                </p:cond>
-              </p:prevCondLst>
-              <p:nextCondLst>
-                <p:cond evt="onNext" delay="0">
-                  <p:tgtEl>
-                    <p:sldTgt/>
-                  </p:tgtEl>
-                </p:cond>
-              </p:nextCondLst>
-            </p:seq>
-          </p:childTnLst>
-        </p:cTn>
-      </p:par>
-    </p:tnLst>
-  </p:timing>
 </p:sld>
 </file>
 

--- a/instructors/03_Being_FAIR_Episode_v2.0.pptx
+++ b/instructors/03_Being_FAIR_Episode_v2.0.pptx
@@ -296,7 +296,7 @@
             <a:fld id="{DE72BEAC-A25F-4480-8AFC-1D3E290F2CC8}" type="datetimeFigureOut">
               <a:rPr lang="en-GB" smtClean="0"/>
               <a:pPr/>
-              <a:t>16/12/2022</a:t>
+              <a:t>14/01/2023</a:t>
             </a:fld>
             <a:endParaRPr lang="en-GB"/>
           </a:p>
@@ -560,7 +560,7 @@
           <a:p>
             <a:fld id="{DE72BEAC-A25F-4480-8AFC-1D3E290F2CC8}" type="datetimeFigureOut">
               <a:rPr lang="en-GB" smtClean="0"/>
-              <a:t>16/12/2022</a:t>
+              <a:t>14/01/2023</a:t>
             </a:fld>
             <a:endParaRPr lang="en-GB"/>
           </a:p>
@@ -770,7 +770,7 @@
           <a:p>
             <a:fld id="{DE72BEAC-A25F-4480-8AFC-1D3E290F2CC8}" type="datetimeFigureOut">
               <a:rPr lang="en-GB" smtClean="0"/>
-              <a:t>16/12/2022</a:t>
+              <a:t>14/01/2023</a:t>
             </a:fld>
             <a:endParaRPr lang="en-GB"/>
           </a:p>
@@ -970,7 +970,7 @@
           <a:p>
             <a:fld id="{DE72BEAC-A25F-4480-8AFC-1D3E290F2CC8}" type="datetimeFigureOut">
               <a:rPr lang="en-GB" smtClean="0"/>
-              <a:t>16/12/2022</a:t>
+              <a:t>14/01/2023</a:t>
             </a:fld>
             <a:endParaRPr lang="en-GB"/>
           </a:p>
@@ -1246,7 +1246,7 @@
           <a:p>
             <a:fld id="{DE72BEAC-A25F-4480-8AFC-1D3E290F2CC8}" type="datetimeFigureOut">
               <a:rPr lang="en-GB" smtClean="0"/>
-              <a:t>16/12/2022</a:t>
+              <a:t>14/01/2023</a:t>
             </a:fld>
             <a:endParaRPr lang="en-GB"/>
           </a:p>
@@ -1514,7 +1514,7 @@
           <a:p>
             <a:fld id="{DE72BEAC-A25F-4480-8AFC-1D3E290F2CC8}" type="datetimeFigureOut">
               <a:rPr lang="en-GB" smtClean="0"/>
-              <a:t>16/12/2022</a:t>
+              <a:t>14/01/2023</a:t>
             </a:fld>
             <a:endParaRPr lang="en-GB"/>
           </a:p>
@@ -1929,7 +1929,7 @@
           <a:p>
             <a:fld id="{DE72BEAC-A25F-4480-8AFC-1D3E290F2CC8}" type="datetimeFigureOut">
               <a:rPr lang="en-GB" smtClean="0"/>
-              <a:t>16/12/2022</a:t>
+              <a:t>14/01/2023</a:t>
             </a:fld>
             <a:endParaRPr lang="en-GB"/>
           </a:p>
@@ -2071,7 +2071,7 @@
           <a:p>
             <a:fld id="{DE72BEAC-A25F-4480-8AFC-1D3E290F2CC8}" type="datetimeFigureOut">
               <a:rPr lang="en-GB" smtClean="0"/>
-              <a:t>16/12/2022</a:t>
+              <a:t>14/01/2023</a:t>
             </a:fld>
             <a:endParaRPr lang="en-GB"/>
           </a:p>
@@ -2184,7 +2184,7 @@
           <a:p>
             <a:fld id="{DE72BEAC-A25F-4480-8AFC-1D3E290F2CC8}" type="datetimeFigureOut">
               <a:rPr lang="en-GB" smtClean="0"/>
-              <a:t>16/12/2022</a:t>
+              <a:t>14/01/2023</a:t>
             </a:fld>
             <a:endParaRPr lang="en-GB"/>
           </a:p>
@@ -2497,7 +2497,7 @@
           <a:p>
             <a:fld id="{DE72BEAC-A25F-4480-8AFC-1D3E290F2CC8}" type="datetimeFigureOut">
               <a:rPr lang="en-GB" smtClean="0"/>
-              <a:t>16/12/2022</a:t>
+              <a:t>14/01/2023</a:t>
             </a:fld>
             <a:endParaRPr lang="en-GB"/>
           </a:p>
@@ -2786,7 +2786,7 @@
           <a:p>
             <a:fld id="{DE72BEAC-A25F-4480-8AFC-1D3E290F2CC8}" type="datetimeFigureOut">
               <a:rPr lang="en-GB" smtClean="0"/>
-              <a:t>16/12/2022</a:t>
+              <a:t>14/01/2023</a:t>
             </a:fld>
             <a:endParaRPr lang="en-GB"/>
           </a:p>
@@ -3028,7 +3028,7 @@
             <a:fld id="{DE72BEAC-A25F-4480-8AFC-1D3E290F2CC8}" type="datetimeFigureOut">
               <a:rPr lang="en-GB" smtClean="0"/>
               <a:pPr/>
-              <a:t>16/12/2022</a:t>
+              <a:t>14/01/2023</a:t>
             </a:fld>
             <a:endParaRPr lang="en-GB"/>
           </a:p>
@@ -3756,7 +3756,7 @@
                 <a:hlinkClick r:id="rId2">
                   <a:extLst>
                     <a:ext uri="{A12FA001-AC4F-418D-AE19-62706E023703}">
-                      <ahyp:hlinkClr xmlns:ahyp="http://schemas.microsoft.com/office/drawing/2018/hyperlinkcolor" xmlns="" val="tx"/>
+                      <ahyp:hlinkClr xmlns="" xmlns:ahyp="http://schemas.microsoft.com/office/drawing/2018/hyperlinkcolor" val="tx"/>
                     </a:ext>
                   </a:extLst>
                 </a:hlinkClick>
@@ -3779,7 +3779,7 @@
                 <a:hlinkClick r:id="rId3">
                   <a:extLst>
                     <a:ext uri="{A12FA001-AC4F-418D-AE19-62706E023703}">
-                      <ahyp:hlinkClr xmlns:ahyp="http://schemas.microsoft.com/office/drawing/2018/hyperlinkcolor" xmlns="" val="tx"/>
+                      <ahyp:hlinkClr xmlns="" xmlns:ahyp="http://schemas.microsoft.com/office/drawing/2018/hyperlinkcolor" val="tx"/>
                     </a:ext>
                   </a:extLst>
                 </a:hlinkClick>
@@ -3802,7 +3802,7 @@
                 <a:hlinkClick r:id="rId4">
                   <a:extLst>
                     <a:ext uri="{A12FA001-AC4F-418D-AE19-62706E023703}">
-                      <ahyp:hlinkClr xmlns:ahyp="http://schemas.microsoft.com/office/drawing/2018/hyperlinkcolor" xmlns="" val="tx"/>
+                      <ahyp:hlinkClr xmlns="" xmlns:ahyp="http://schemas.microsoft.com/office/drawing/2018/hyperlinkcolor" val="tx"/>
                     </a:ext>
                   </a:extLst>
                 </a:hlinkClick>
@@ -3825,7 +3825,7 @@
                 <a:hlinkClick r:id="rId5">
                   <a:extLst>
                     <a:ext uri="{A12FA001-AC4F-418D-AE19-62706E023703}">
-                      <ahyp:hlinkClr xmlns:ahyp="http://schemas.microsoft.com/office/drawing/2018/hyperlinkcolor" xmlns="" val="tx"/>
+                      <ahyp:hlinkClr xmlns="" xmlns:ahyp="http://schemas.microsoft.com/office/drawing/2018/hyperlinkcolor" val="tx"/>
                     </a:ext>
                   </a:extLst>
                 </a:hlinkClick>
@@ -3867,7 +3867,7 @@
                 <a:hlinkClick r:id="rId6">
                   <a:extLst>
                     <a:ext uri="{A12FA001-AC4F-418D-AE19-62706E023703}">
-                      <ahyp:hlinkClr xmlns:ahyp="http://schemas.microsoft.com/office/drawing/2018/hyperlinkcolor" xmlns="" val="tx"/>
+                      <ahyp:hlinkClr xmlns="" xmlns:ahyp="http://schemas.microsoft.com/office/drawing/2018/hyperlinkcolor" val="tx"/>
                     </a:ext>
                   </a:extLst>
                 </a:hlinkClick>
@@ -3890,7 +3890,7 @@
                 <a:hlinkClick r:id="rId7">
                   <a:extLst>
                     <a:ext uri="{A12FA001-AC4F-418D-AE19-62706E023703}">
-                      <ahyp:hlinkClr xmlns:ahyp="http://schemas.microsoft.com/office/drawing/2018/hyperlinkcolor" xmlns="" val="tx"/>
+                      <ahyp:hlinkClr xmlns="" xmlns:ahyp="http://schemas.microsoft.com/office/drawing/2018/hyperlinkcolor" val="tx"/>
                     </a:ext>
                   </a:extLst>
                 </a:hlinkClick>
@@ -3913,7 +3913,7 @@
                 <a:hlinkClick r:id="rId8">
                   <a:extLst>
                     <a:ext uri="{A12FA001-AC4F-418D-AE19-62706E023703}">
-                      <ahyp:hlinkClr xmlns:ahyp="http://schemas.microsoft.com/office/drawing/2018/hyperlinkcolor" xmlns="" val="tx"/>
+                      <ahyp:hlinkClr xmlns="" xmlns:ahyp="http://schemas.microsoft.com/office/drawing/2018/hyperlinkcolor" val="tx"/>
                     </a:ext>
                   </a:extLst>
                 </a:hlinkClick>
@@ -4600,7 +4600,7 @@
                 <a14:useLocalDpi xmlns:a14="http://schemas.microsoft.com/office/drawing/2010/main" val="0"/>
               </a:ext>
               <a:ext uri="{96DAC541-7B7A-43D3-8B79-37D633B846F1}">
-                <asvg:svgBlip xmlns:asvg="http://schemas.microsoft.com/office/drawing/2016/SVG/main" xmlns="" r:embed="rId3"/>
+                <asvg:svgBlip xmlns="" xmlns:asvg="http://schemas.microsoft.com/office/drawing/2016/SVG/main" r:embed="rId3"/>
               </a:ext>
             </a:extLst>
           </a:blip>
@@ -4812,7 +4812,7 @@
                 <a14:useLocalDpi xmlns:a14="http://schemas.microsoft.com/office/drawing/2010/main" val="0"/>
               </a:ext>
               <a:ext uri="{96DAC541-7B7A-43D3-8B79-37D633B846F1}">
-                <asvg:svgBlip xmlns:asvg="http://schemas.microsoft.com/office/drawing/2016/SVG/main" xmlns="" r:embed="rId7"/>
+                <asvg:svgBlip xmlns="" xmlns:asvg="http://schemas.microsoft.com/office/drawing/2016/SVG/main" r:embed="rId7"/>
               </a:ext>
             </a:extLst>
           </a:blip>
@@ -5451,7 +5451,7 @@
                 <a16:creationId xmlns:a16="http://schemas.microsoft.com/office/drawing/2014/main" id="{91F32EBA-ED97-466E-8CFA-8382584155D0}"/>
               </a:ext>
               <a:ext uri="{C183D7F6-B498-43B3-948B-1728B52AA6E4}">
-                <adec:decorative xmlns:adec="http://schemas.microsoft.com/office/drawing/2017/decorative" xmlns="" val="1"/>
+                <adec:decorative xmlns="" xmlns:adec="http://schemas.microsoft.com/office/drawing/2017/decorative" val="1"/>
               </a:ext>
             </a:extLst>
           </p:cNvPr>
@@ -5584,7 +5584,7 @@
                 <a16:creationId xmlns:a16="http://schemas.microsoft.com/office/drawing/2014/main" id="{62A38935-BB53-4DF7-A56E-48DD25B685D7}"/>
               </a:ext>
               <a:ext uri="{C183D7F6-B498-43B3-948B-1728B52AA6E4}">
-                <adec:decorative xmlns:adec="http://schemas.microsoft.com/office/drawing/2017/decorative" xmlns="" val="1"/>
+                <adec:decorative xmlns="" xmlns:adec="http://schemas.microsoft.com/office/drawing/2017/decorative" val="1"/>
               </a:ext>
             </a:extLst>
           </p:cNvPr>
@@ -6371,7 +6371,7 @@
                 <a14:useLocalDpi xmlns:a14="http://schemas.microsoft.com/office/drawing/2010/main" val="0"/>
               </a:ext>
               <a:ext uri="{96DAC541-7B7A-43D3-8B79-37D633B846F1}">
-                <asvg:svgBlip xmlns:asvg="http://schemas.microsoft.com/office/drawing/2016/SVG/main" xmlns="" r:embed="rId3"/>
+                <asvg:svgBlip xmlns="" xmlns:asvg="http://schemas.microsoft.com/office/drawing/2016/SVG/main" r:embed="rId3"/>
               </a:ext>
             </a:extLst>
           </a:blip>
@@ -6437,7 +6437,7 @@
                 <a16:creationId xmlns:a16="http://schemas.microsoft.com/office/drawing/2014/main" id="{C4E4288A-DFC8-40A2-90E5-70E851A933AD}"/>
               </a:ext>
               <a:ext uri="{C183D7F6-B498-43B3-948B-1728B52AA6E4}">
-                <adec:decorative xmlns:adec="http://schemas.microsoft.com/office/drawing/2017/decorative" xmlns="" val="1"/>
+                <adec:decorative xmlns="" xmlns:adec="http://schemas.microsoft.com/office/drawing/2017/decorative" val="1"/>
               </a:ext>
             </a:extLst>
           </p:cNvPr>
@@ -6532,7 +6532,7 @@
                 <a16:creationId xmlns:a16="http://schemas.microsoft.com/office/drawing/2014/main" id="{A94A2FC9-6D19-473C-B868-99FDB2044AA9}"/>
               </a:ext>
               <a:ext uri="{C183D7F6-B498-43B3-948B-1728B52AA6E4}">
-                <adec:decorative xmlns:adec="http://schemas.microsoft.com/office/drawing/2017/decorative" xmlns="" val="1"/>
+                <adec:decorative xmlns="" xmlns:adec="http://schemas.microsoft.com/office/drawing/2017/decorative" val="1"/>
               </a:ext>
             </a:extLst>
           </p:cNvPr>
@@ -6751,7 +6751,7 @@
                 <a14:useLocalDpi xmlns:a14="http://schemas.microsoft.com/office/drawing/2010/main" val="0"/>
               </a:ext>
               <a:ext uri="{96DAC541-7B7A-43D3-8B79-37D633B846F1}">
-                <asvg:svgBlip xmlns:asvg="http://schemas.microsoft.com/office/drawing/2016/SVG/main" xmlns="" r:embed="rId3"/>
+                <asvg:svgBlip xmlns="" xmlns:asvg="http://schemas.microsoft.com/office/drawing/2016/SVG/main" r:embed="rId3"/>
               </a:ext>
             </a:extLst>
           </a:blip>
@@ -6861,8 +6861,8 @@
               </a:lnSpc>
             </a:pPr>
             <a:r>
-              <a:rPr lang="pl-PL" sz="2400" dirty="0" err="1"/>
-              <a:t>modeles</a:t>
+              <a:rPr lang="pl-PL" sz="2400" dirty="0" smtClean="0"/>
+              <a:t>models</a:t>
             </a:r>
             <a:endParaRPr lang="en-GB" sz="2400" dirty="0"/>
           </a:p>
@@ -6887,7 +6887,7 @@
                 <a16:creationId xmlns:a16="http://schemas.microsoft.com/office/drawing/2014/main" id="{8BED0409-854E-49C4-876E-A78C6D881BC8}"/>
               </a:ext>
               <a:ext uri="{C183D7F6-B498-43B3-948B-1728B52AA6E4}">
-                <adec:decorative xmlns:adec="http://schemas.microsoft.com/office/drawing/2017/decorative" xmlns="" val="1"/>
+                <adec:decorative xmlns="" xmlns:adec="http://schemas.microsoft.com/office/drawing/2017/decorative" val="1"/>
               </a:ext>
             </a:extLst>
           </p:cNvPr>
@@ -7532,7 +7532,7 @@
                 <a16:creationId xmlns:a16="http://schemas.microsoft.com/office/drawing/2014/main" id="{D4340B2E-01FD-4F5D-9C4D-AD3923AD20BA}"/>
               </a:ext>
               <a:ext uri="{C183D7F6-B498-43B3-948B-1728B52AA6E4}">
-                <adec:decorative xmlns:adec="http://schemas.microsoft.com/office/drawing/2017/decorative" xmlns="" val="1"/>
+                <adec:decorative xmlns="" xmlns:adec="http://schemas.microsoft.com/office/drawing/2017/decorative" val="1"/>
               </a:ext>
             </a:extLst>
           </p:cNvPr>
@@ -7751,7 +7751,7 @@
                 <a14:useLocalDpi xmlns:a14="http://schemas.microsoft.com/office/drawing/2010/main" val="0"/>
               </a:ext>
               <a:ext uri="{96DAC541-7B7A-43D3-8B79-37D633B846F1}">
-                <asvg:svgBlip xmlns:asvg="http://schemas.microsoft.com/office/drawing/2016/SVG/main" xmlns="" r:embed="rId5"/>
+                <asvg:svgBlip xmlns="" xmlns:asvg="http://schemas.microsoft.com/office/drawing/2016/SVG/main" r:embed="rId5"/>
               </a:ext>
             </a:extLst>
           </a:blip>
@@ -7790,7 +7790,7 @@
                 <a14:useLocalDpi xmlns:a14="http://schemas.microsoft.com/office/drawing/2010/main" val="0"/>
               </a:ext>
               <a:ext uri="{96DAC541-7B7A-43D3-8B79-37D633B846F1}">
-                <asvg:svgBlip xmlns:asvg="http://schemas.microsoft.com/office/drawing/2016/SVG/main" xmlns="" r:embed="rId7"/>
+                <asvg:svgBlip xmlns="" xmlns:asvg="http://schemas.microsoft.com/office/drawing/2016/SVG/main" r:embed="rId7"/>
               </a:ext>
             </a:extLst>
           </a:blip>

--- a/instructors/03_Being_FAIR_Episode_v2.0.pptx
+++ b/instructors/03_Being_FAIR_Episode_v2.0.pptx
@@ -3756,7 +3756,7 @@
                 <a:hlinkClick r:id="rId2">
                   <a:extLst>
                     <a:ext uri="{A12FA001-AC4F-418D-AE19-62706E023703}">
-                      <ahyp:hlinkClr xmlns="" xmlns:ahyp="http://schemas.microsoft.com/office/drawing/2018/hyperlinkcolor" val="tx"/>
+                      <ahyp:hlinkClr xmlns:ahyp="http://schemas.microsoft.com/office/drawing/2018/hyperlinkcolor" xmlns="" val="tx"/>
                     </a:ext>
                   </a:extLst>
                 </a:hlinkClick>
@@ -3779,7 +3779,7 @@
                 <a:hlinkClick r:id="rId3">
                   <a:extLst>
                     <a:ext uri="{A12FA001-AC4F-418D-AE19-62706E023703}">
-                      <ahyp:hlinkClr xmlns="" xmlns:ahyp="http://schemas.microsoft.com/office/drawing/2018/hyperlinkcolor" val="tx"/>
+                      <ahyp:hlinkClr xmlns:ahyp="http://schemas.microsoft.com/office/drawing/2018/hyperlinkcolor" xmlns="" val="tx"/>
                     </a:ext>
                   </a:extLst>
                 </a:hlinkClick>
@@ -3802,7 +3802,7 @@
                 <a:hlinkClick r:id="rId4">
                   <a:extLst>
                     <a:ext uri="{A12FA001-AC4F-418D-AE19-62706E023703}">
-                      <ahyp:hlinkClr xmlns="" xmlns:ahyp="http://schemas.microsoft.com/office/drawing/2018/hyperlinkcolor" val="tx"/>
+                      <ahyp:hlinkClr xmlns:ahyp="http://schemas.microsoft.com/office/drawing/2018/hyperlinkcolor" xmlns="" val="tx"/>
                     </a:ext>
                   </a:extLst>
                 </a:hlinkClick>
@@ -3825,7 +3825,7 @@
                 <a:hlinkClick r:id="rId5">
                   <a:extLst>
                     <a:ext uri="{A12FA001-AC4F-418D-AE19-62706E023703}">
-                      <ahyp:hlinkClr xmlns="" xmlns:ahyp="http://schemas.microsoft.com/office/drawing/2018/hyperlinkcolor" val="tx"/>
+                      <ahyp:hlinkClr xmlns:ahyp="http://schemas.microsoft.com/office/drawing/2018/hyperlinkcolor" xmlns="" val="tx"/>
                     </a:ext>
                   </a:extLst>
                 </a:hlinkClick>
@@ -3867,7 +3867,7 @@
                 <a:hlinkClick r:id="rId6">
                   <a:extLst>
                     <a:ext uri="{A12FA001-AC4F-418D-AE19-62706E023703}">
-                      <ahyp:hlinkClr xmlns="" xmlns:ahyp="http://schemas.microsoft.com/office/drawing/2018/hyperlinkcolor" val="tx"/>
+                      <ahyp:hlinkClr xmlns:ahyp="http://schemas.microsoft.com/office/drawing/2018/hyperlinkcolor" xmlns="" val="tx"/>
                     </a:ext>
                   </a:extLst>
                 </a:hlinkClick>
@@ -3890,7 +3890,7 @@
                 <a:hlinkClick r:id="rId7">
                   <a:extLst>
                     <a:ext uri="{A12FA001-AC4F-418D-AE19-62706E023703}">
-                      <ahyp:hlinkClr xmlns="" xmlns:ahyp="http://schemas.microsoft.com/office/drawing/2018/hyperlinkcolor" val="tx"/>
+                      <ahyp:hlinkClr xmlns:ahyp="http://schemas.microsoft.com/office/drawing/2018/hyperlinkcolor" xmlns="" val="tx"/>
                     </a:ext>
                   </a:extLst>
                 </a:hlinkClick>
@@ -3913,7 +3913,7 @@
                 <a:hlinkClick r:id="rId8">
                   <a:extLst>
                     <a:ext uri="{A12FA001-AC4F-418D-AE19-62706E023703}">
-                      <ahyp:hlinkClr xmlns="" xmlns:ahyp="http://schemas.microsoft.com/office/drawing/2018/hyperlinkcolor" val="tx"/>
+                      <ahyp:hlinkClr xmlns:ahyp="http://schemas.microsoft.com/office/drawing/2018/hyperlinkcolor" xmlns="" val="tx"/>
                     </a:ext>
                   </a:extLst>
                 </a:hlinkClick>
@@ -4600,7 +4600,7 @@
                 <a14:useLocalDpi xmlns:a14="http://schemas.microsoft.com/office/drawing/2010/main" val="0"/>
               </a:ext>
               <a:ext uri="{96DAC541-7B7A-43D3-8B79-37D633B846F1}">
-                <asvg:svgBlip xmlns="" xmlns:asvg="http://schemas.microsoft.com/office/drawing/2016/SVG/main" r:embed="rId3"/>
+                <asvg:svgBlip xmlns:asvg="http://schemas.microsoft.com/office/drawing/2016/SVG/main" xmlns="" r:embed="rId3"/>
               </a:ext>
             </a:extLst>
           </a:blip>
@@ -4812,7 +4812,7 @@
                 <a14:useLocalDpi xmlns:a14="http://schemas.microsoft.com/office/drawing/2010/main" val="0"/>
               </a:ext>
               <a:ext uri="{96DAC541-7B7A-43D3-8B79-37D633B846F1}">
-                <asvg:svgBlip xmlns="" xmlns:asvg="http://schemas.microsoft.com/office/drawing/2016/SVG/main" r:embed="rId7"/>
+                <asvg:svgBlip xmlns:asvg="http://schemas.microsoft.com/office/drawing/2016/SVG/main" xmlns="" r:embed="rId7"/>
               </a:ext>
             </a:extLst>
           </a:blip>
@@ -4883,8 +4883,13 @@
           <a:p>
             <a:r>
               <a:rPr lang="en-GB" dirty="0"/>
-              <a:t>FAIR example</a:t>
-            </a:r>
+              <a:t>FAIR </a:t>
+            </a:r>
+            <a:r>
+              <a:rPr lang="en-GB" dirty="0" smtClean="0"/>
+              <a:t>example exercise</a:t>
+            </a:r>
+            <a:endParaRPr lang="en-GB" dirty="0"/>
           </a:p>
         </p:txBody>
       </p:sp>
@@ -4936,6 +4941,22 @@
             <a:pPr marL="0" indent="0">
               <a:buNone/>
             </a:pPr>
+            <a:r>
+              <a:rPr lang="pl-PL" dirty="0">
+                <a:hlinkClick r:id="rId2"/>
+              </a:rPr>
+              <a:t>https://</a:t>
+            </a:r>
+            <a:r>
+              <a:rPr lang="pl-PL" dirty="0" smtClean="0">
+                <a:hlinkClick r:id="rId2"/>
+              </a:rPr>
+              <a:t>doi.org/10.5281/zenodo.6339631</a:t>
+            </a:r>
+            <a:r>
+              <a:rPr lang="en-GB" dirty="0" smtClean="0"/>
+              <a:t> </a:t>
+            </a:r>
             <a:endParaRPr lang="pl-PL" dirty="0"/>
           </a:p>
           <a:p>
@@ -4954,12 +4975,6 @@
             <a:pPr marL="0" indent="0">
               <a:buNone/>
             </a:pPr>
-            <a:r>
-              <a:rPr lang="en-GB" dirty="0">
-                <a:hlinkClick r:id="rId2"/>
-              </a:rPr>
-              <a:t>https://synbiohub.org/public/bsu/SubtilinReceiver_spaRK_separated/1</a:t>
-            </a:r>
             <a:endParaRPr lang="pl-PL" dirty="0"/>
           </a:p>
           <a:p>
@@ -5451,7 +5466,7 @@
                 <a16:creationId xmlns:a16="http://schemas.microsoft.com/office/drawing/2014/main" id="{91F32EBA-ED97-466E-8CFA-8382584155D0}"/>
               </a:ext>
               <a:ext uri="{C183D7F6-B498-43B3-948B-1728B52AA6E4}">
-                <adec:decorative xmlns="" xmlns:adec="http://schemas.microsoft.com/office/drawing/2017/decorative" val="1"/>
+                <adec:decorative xmlns:adec="http://schemas.microsoft.com/office/drawing/2017/decorative" xmlns="" val="1"/>
               </a:ext>
             </a:extLst>
           </p:cNvPr>
@@ -5584,7 +5599,7 @@
                 <a16:creationId xmlns:a16="http://schemas.microsoft.com/office/drawing/2014/main" id="{62A38935-BB53-4DF7-A56E-48DD25B685D7}"/>
               </a:ext>
               <a:ext uri="{C183D7F6-B498-43B3-948B-1728B52AA6E4}">
-                <adec:decorative xmlns="" xmlns:adec="http://schemas.microsoft.com/office/drawing/2017/decorative" val="1"/>
+                <adec:decorative xmlns:adec="http://schemas.microsoft.com/office/drawing/2017/decorative" xmlns="" val="1"/>
               </a:ext>
             </a:extLst>
           </p:cNvPr>
@@ -6371,7 +6386,7 @@
                 <a14:useLocalDpi xmlns:a14="http://schemas.microsoft.com/office/drawing/2010/main" val="0"/>
               </a:ext>
               <a:ext uri="{96DAC541-7B7A-43D3-8B79-37D633B846F1}">
-                <asvg:svgBlip xmlns="" xmlns:asvg="http://schemas.microsoft.com/office/drawing/2016/SVG/main" r:embed="rId3"/>
+                <asvg:svgBlip xmlns:asvg="http://schemas.microsoft.com/office/drawing/2016/SVG/main" xmlns="" r:embed="rId3"/>
               </a:ext>
             </a:extLst>
           </a:blip>
@@ -6437,7 +6452,7 @@
                 <a16:creationId xmlns:a16="http://schemas.microsoft.com/office/drawing/2014/main" id="{C4E4288A-DFC8-40A2-90E5-70E851A933AD}"/>
               </a:ext>
               <a:ext uri="{C183D7F6-B498-43B3-948B-1728B52AA6E4}">
-                <adec:decorative xmlns="" xmlns:adec="http://schemas.microsoft.com/office/drawing/2017/decorative" val="1"/>
+                <adec:decorative xmlns:adec="http://schemas.microsoft.com/office/drawing/2017/decorative" xmlns="" val="1"/>
               </a:ext>
             </a:extLst>
           </p:cNvPr>
@@ -6532,7 +6547,7 @@
                 <a16:creationId xmlns:a16="http://schemas.microsoft.com/office/drawing/2014/main" id="{A94A2FC9-6D19-473C-B868-99FDB2044AA9}"/>
               </a:ext>
               <a:ext uri="{C183D7F6-B498-43B3-948B-1728B52AA6E4}">
-                <adec:decorative xmlns="" xmlns:adec="http://schemas.microsoft.com/office/drawing/2017/decorative" val="1"/>
+                <adec:decorative xmlns:adec="http://schemas.microsoft.com/office/drawing/2017/decorative" xmlns="" val="1"/>
               </a:ext>
             </a:extLst>
           </p:cNvPr>
@@ -6751,7 +6766,7 @@
                 <a14:useLocalDpi xmlns:a14="http://schemas.microsoft.com/office/drawing/2010/main" val="0"/>
               </a:ext>
               <a:ext uri="{96DAC541-7B7A-43D3-8B79-37D633B846F1}">
-                <asvg:svgBlip xmlns="" xmlns:asvg="http://schemas.microsoft.com/office/drawing/2016/SVG/main" r:embed="rId3"/>
+                <asvg:svgBlip xmlns:asvg="http://schemas.microsoft.com/office/drawing/2016/SVG/main" xmlns="" r:embed="rId3"/>
               </a:ext>
             </a:extLst>
           </a:blip>
@@ -6887,7 +6902,7 @@
                 <a16:creationId xmlns:a16="http://schemas.microsoft.com/office/drawing/2014/main" id="{8BED0409-854E-49C4-876E-A78C6D881BC8}"/>
               </a:ext>
               <a:ext uri="{C183D7F6-B498-43B3-948B-1728B52AA6E4}">
-                <adec:decorative xmlns="" xmlns:adec="http://schemas.microsoft.com/office/drawing/2017/decorative" val="1"/>
+                <adec:decorative xmlns:adec="http://schemas.microsoft.com/office/drawing/2017/decorative" xmlns="" val="1"/>
               </a:ext>
             </a:extLst>
           </p:cNvPr>
@@ -7532,7 +7547,7 @@
                 <a16:creationId xmlns:a16="http://schemas.microsoft.com/office/drawing/2014/main" id="{D4340B2E-01FD-4F5D-9C4D-AD3923AD20BA}"/>
               </a:ext>
               <a:ext uri="{C183D7F6-B498-43B3-948B-1728B52AA6E4}">
-                <adec:decorative xmlns="" xmlns:adec="http://schemas.microsoft.com/office/drawing/2017/decorative" val="1"/>
+                <adec:decorative xmlns:adec="http://schemas.microsoft.com/office/drawing/2017/decorative" xmlns="" val="1"/>
               </a:ext>
             </a:extLst>
           </p:cNvPr>
@@ -7751,7 +7766,7 @@
                 <a14:useLocalDpi xmlns:a14="http://schemas.microsoft.com/office/drawing/2010/main" val="0"/>
               </a:ext>
               <a:ext uri="{96DAC541-7B7A-43D3-8B79-37D633B846F1}">
-                <asvg:svgBlip xmlns="" xmlns:asvg="http://schemas.microsoft.com/office/drawing/2016/SVG/main" r:embed="rId5"/>
+                <asvg:svgBlip xmlns:asvg="http://schemas.microsoft.com/office/drawing/2016/SVG/main" xmlns="" r:embed="rId5"/>
               </a:ext>
             </a:extLst>
           </a:blip>
@@ -7790,7 +7805,7 @@
                 <a14:useLocalDpi xmlns:a14="http://schemas.microsoft.com/office/drawing/2010/main" val="0"/>
               </a:ext>
               <a:ext uri="{96DAC541-7B7A-43D3-8B79-37D633B846F1}">
-                <asvg:svgBlip xmlns="" xmlns:asvg="http://schemas.microsoft.com/office/drawing/2016/SVG/main" r:embed="rId7"/>
+                <asvg:svgBlip xmlns:asvg="http://schemas.microsoft.com/office/drawing/2016/SVG/main" xmlns="" r:embed="rId7"/>
               </a:ext>
             </a:extLst>
           </a:blip>
@@ -8046,8 +8061,12 @@
               <a:t>Impossible </a:t>
             </a:r>
             <a:r>
-              <a:rPr lang="pl-PL" dirty="0" err="1"/>
-              <a:t>average</a:t>
+              <a:rPr lang="pl-PL" dirty="0" smtClean="0"/>
+              <a:t>averag</a:t>
+            </a:r>
+            <a:r>
+              <a:rPr lang="en-GB" dirty="0" smtClean="0"/>
+              <a:t>e</a:t>
             </a:r>
             <a:endParaRPr lang="en-GB" dirty="0"/>
           </a:p>
@@ -8083,55 +8102,103 @@
               <a:t> to </a:t>
             </a:r>
             <a:r>
-              <a:rPr lang="pl-PL" dirty="0" err="1"/>
-              <a:t>find</a:t>
+              <a:rPr lang="pl-PL" dirty="0" smtClean="0"/>
+              <a:t>fin</a:t>
+            </a:r>
+            <a:r>
+              <a:rPr lang="en-GB" dirty="0" smtClean="0"/>
+              <a:t>d</a:t>
+            </a:r>
+            <a:r>
+              <a:rPr lang="pl-PL" dirty="0" smtClean="0"/>
+              <a:t> </a:t>
             </a:r>
             <a:r>
               <a:rPr lang="pl-PL" dirty="0"/>
-              <a:t> the </a:t>
-            </a:r>
-            <a:r>
-              <a:rPr lang="pl-PL" dirty="0" err="1"/>
-              <a:t>right</a:t>
+              <a:t>the </a:t>
+            </a:r>
+            <a:r>
+              <a:rPr lang="pl-PL" dirty="0" smtClean="0"/>
+              <a:t>righ</a:t>
+            </a:r>
+            <a:r>
+              <a:rPr lang="en-GB" dirty="0" smtClean="0"/>
+              <a:t>t</a:t>
+            </a:r>
+            <a:r>
+              <a:rPr lang="pl-PL" dirty="0" smtClean="0"/>
+              <a:t> </a:t>
             </a:r>
             <a:r>
               <a:rPr lang="pl-PL" dirty="0"/>
-              <a:t> data </a:t>
-            </a:r>
-            <a:r>
-              <a:rPr lang="pl-PL" dirty="0" err="1"/>
-              <a:t>table</a:t>
+              <a:t>data </a:t>
+            </a:r>
+            <a:r>
+              <a:rPr lang="pl-PL" dirty="0" smtClean="0"/>
+              <a:t>tabl</a:t>
+            </a:r>
+            <a:r>
+              <a:rPr lang="en-GB" dirty="0" smtClean="0"/>
+              <a:t>e</a:t>
+            </a:r>
+            <a:r>
+              <a:rPr lang="pl-PL" dirty="0" smtClean="0"/>
+              <a:t> </a:t>
             </a:r>
             <a:r>
               <a:rPr lang="pl-PL" dirty="0"/>
-              <a:t> and </a:t>
-            </a:r>
-            <a:r>
-              <a:rPr lang="pl-PL" dirty="0" err="1"/>
-              <a:t>column</a:t>
+              <a:t>and </a:t>
+            </a:r>
+            <a:r>
+              <a:rPr lang="pl-PL" dirty="0" smtClean="0"/>
+              <a:t>colum</a:t>
+            </a:r>
+            <a:r>
+              <a:rPr lang="en-GB" dirty="0" smtClean="0"/>
+              <a:t>n</a:t>
             </a:r>
             <a:endParaRPr lang="pl-PL" dirty="0"/>
           </a:p>
           <a:p>
             <a:r>
-              <a:rPr lang="pl-PL" dirty="0" err="1"/>
-              <a:t>Numerical</a:t>
+              <a:rPr lang="pl-PL" dirty="0" smtClean="0"/>
+              <a:t>Numerica</a:t>
+            </a:r>
+            <a:r>
+              <a:rPr lang="en-GB" dirty="0" smtClean="0"/>
+              <a:t>l</a:t>
+            </a:r>
+            <a:r>
+              <a:rPr lang="pl-PL" dirty="0" smtClean="0"/>
+              <a:t> </a:t>
             </a:r>
             <a:r>
               <a:rPr lang="pl-PL" dirty="0"/>
-              <a:t> data in pdf not </a:t>
-            </a:r>
-            <a:r>
-              <a:rPr lang="pl-PL" dirty="0" err="1"/>
-              <a:t>suitable</a:t>
+              <a:t>data in pdf not </a:t>
+            </a:r>
+            <a:r>
+              <a:rPr lang="pl-PL" dirty="0" smtClean="0"/>
+              <a:t>suitabl</a:t>
+            </a:r>
+            <a:r>
+              <a:rPr lang="en-GB" dirty="0" smtClean="0"/>
+              <a:t>e</a:t>
+            </a:r>
+            <a:r>
+              <a:rPr lang="pl-PL" dirty="0" smtClean="0"/>
+              <a:t> </a:t>
             </a:r>
             <a:r>
               <a:rPr lang="pl-PL" dirty="0"/>
-              <a:t> for </a:t>
-            </a:r>
-            <a:r>
-              <a:rPr lang="pl-PL" dirty="0" err="1"/>
-              <a:t>calculations</a:t>
+              <a:t>for </a:t>
+            </a:r>
+            <a:r>
+              <a:rPr lang="pl-PL" dirty="0" smtClean="0"/>
+              <a:t>calculation</a:t>
+            </a:r>
+            <a:r>
+              <a:rPr lang="en-GB" dirty="0" smtClean="0"/>
+              <a:t>s</a:t>
             </a:r>
             <a:endParaRPr lang="pl-PL" dirty="0"/>
           </a:p>
